--- a/计算机网络/计算机网络演示.pptx
+++ b/计算机网络/计算机网络演示.pptx
@@ -8,6 +8,9 @@
     <p:sldId id="256" r:id="rId2"/>
     <p:sldId id="257" r:id="rId3"/>
     <p:sldId id="258" r:id="rId4"/>
+    <p:sldId id="261" r:id="rId5"/>
+    <p:sldId id="260" r:id="rId6"/>
+    <p:sldId id="259" r:id="rId7"/>
   </p:sldIdLst>
   <p:sldSz cx="12192000" cy="6858000"/>
   <p:notesSz cx="6858000" cy="9144000"/>
@@ -4882,7 +4885,7 @@
 </file>
 
 <file path=ppt/slides/slide3.xml><?xml version="1.0" encoding="utf-8"?>
-<p:sld xmlns:a="http://schemas.openxmlformats.org/drawingml/2006/main" xmlns:r="http://schemas.openxmlformats.org/officeDocument/2006/relationships" xmlns:p="http://schemas.openxmlformats.org/presentationml/2006/main">
+<p:sld xmlns:a="http://schemas.openxmlformats.org/drawingml/2006/main" xmlns:r="http://schemas.openxmlformats.org/officeDocument/2006/relationships" xmlns:p="http://schemas.openxmlformats.org/presentationml/2006/main" show="0">
   <p:cSld>
     <p:spTree>
       <p:nvGrpSpPr>
@@ -6828,6 +6831,4797 @@
 </p:sld>
 </file>
 
+<file path=ppt/slides/slide4.xml><?xml version="1.0" encoding="utf-8"?>
+<p:sld xmlns:a="http://schemas.openxmlformats.org/drawingml/2006/main" xmlns:r="http://schemas.openxmlformats.org/officeDocument/2006/relationships" xmlns:p="http://schemas.openxmlformats.org/presentationml/2006/main" show="0">
+  <p:cSld>
+    <p:spTree>
+      <p:nvGrpSpPr>
+        <p:cNvPr id="1" name=""/>
+        <p:cNvGrpSpPr/>
+        <p:nvPr/>
+      </p:nvGrpSpPr>
+      <p:grpSpPr>
+        <a:xfrm>
+          <a:off x="0" y="0"/>
+          <a:ext cx="0" cy="0"/>
+          <a:chOff x="0" y="0"/>
+          <a:chExt cx="0" cy="0"/>
+        </a:xfrm>
+      </p:grpSpPr>
+      <p:sp>
+        <p:nvSpPr>
+          <p:cNvPr id="8" name="椭圆 7">
+            <a:extLst>
+              <a:ext uri="{FF2B5EF4-FFF2-40B4-BE49-F238E27FC236}">
+                <a16:creationId xmlns:a16="http://schemas.microsoft.com/office/drawing/2014/main" id="{426A5D43-81B6-4260-9574-50F71A6067F5}"/>
+              </a:ext>
+            </a:extLst>
+          </p:cNvPr>
+          <p:cNvSpPr/>
+          <p:nvPr/>
+        </p:nvSpPr>
+        <p:spPr>
+          <a:xfrm>
+            <a:off x="9002817" y="1948898"/>
+            <a:ext cx="1595717" cy="1595717"/>
+          </a:xfrm>
+          <a:prstGeom prst="ellipse">
+            <a:avLst/>
+          </a:prstGeom>
+          <a:noFill/>
+        </p:spPr>
+        <p:style>
+          <a:lnRef idx="2">
+            <a:schemeClr val="accent1">
+              <a:shade val="50000"/>
+            </a:schemeClr>
+          </a:lnRef>
+          <a:fillRef idx="1">
+            <a:schemeClr val="accent1"/>
+          </a:fillRef>
+          <a:effectRef idx="0">
+            <a:schemeClr val="accent1"/>
+          </a:effectRef>
+          <a:fontRef idx="minor">
+            <a:schemeClr val="lt1"/>
+          </a:fontRef>
+        </p:style>
+        <p:txBody>
+          <a:bodyPr rtlCol="0" anchor="ctr"/>
+          <a:lstStyle/>
+          <a:p>
+            <a:pPr algn="ctr"/>
+            <a:endParaRPr lang="zh-CN" altLang="en-US"/>
+          </a:p>
+        </p:txBody>
+      </p:sp>
+      <p:sp>
+        <p:nvSpPr>
+          <p:cNvPr id="7" name="椭圆 6">
+            <a:extLst>
+              <a:ext uri="{FF2B5EF4-FFF2-40B4-BE49-F238E27FC236}">
+                <a16:creationId xmlns:a16="http://schemas.microsoft.com/office/drawing/2014/main" id="{E555EF71-64A7-4CDC-8609-4D4CE1B2B00D}"/>
+              </a:ext>
+            </a:extLst>
+          </p:cNvPr>
+          <p:cNvSpPr/>
+          <p:nvPr/>
+        </p:nvSpPr>
+        <p:spPr>
+          <a:xfrm>
+            <a:off x="3406742" y="2574116"/>
+            <a:ext cx="354106" cy="354106"/>
+          </a:xfrm>
+          <a:prstGeom prst="ellipse">
+            <a:avLst/>
+          </a:prstGeom>
+          <a:solidFill>
+            <a:srgbClr val="FFFF00"/>
+          </a:solidFill>
+        </p:spPr>
+        <p:style>
+          <a:lnRef idx="2">
+            <a:schemeClr val="accent1">
+              <a:shade val="50000"/>
+            </a:schemeClr>
+          </a:lnRef>
+          <a:fillRef idx="1">
+            <a:schemeClr val="accent1"/>
+          </a:fillRef>
+          <a:effectRef idx="0">
+            <a:schemeClr val="accent1"/>
+          </a:effectRef>
+          <a:fontRef idx="minor">
+            <a:schemeClr val="lt1"/>
+          </a:fontRef>
+        </p:style>
+        <p:txBody>
+          <a:bodyPr rtlCol="0" anchor="ctr"/>
+          <a:lstStyle/>
+          <a:p>
+            <a:pPr algn="ctr"/>
+            <a:endParaRPr lang="zh-CN" altLang="en-US"/>
+          </a:p>
+        </p:txBody>
+      </p:sp>
+      <p:sp>
+        <p:nvSpPr>
+          <p:cNvPr id="5" name="椭圆 4">
+            <a:extLst>
+              <a:ext uri="{FF2B5EF4-FFF2-40B4-BE49-F238E27FC236}">
+                <a16:creationId xmlns:a16="http://schemas.microsoft.com/office/drawing/2014/main" id="{2CB4B296-B9A1-432B-9CAE-7B83CC6CB52D}"/>
+              </a:ext>
+            </a:extLst>
+          </p:cNvPr>
+          <p:cNvSpPr/>
+          <p:nvPr/>
+        </p:nvSpPr>
+        <p:spPr>
+          <a:xfrm>
+            <a:off x="2165131" y="1948898"/>
+            <a:ext cx="1595717" cy="1595717"/>
+          </a:xfrm>
+          <a:prstGeom prst="ellipse">
+            <a:avLst/>
+          </a:prstGeom>
+          <a:noFill/>
+        </p:spPr>
+        <p:style>
+          <a:lnRef idx="2">
+            <a:schemeClr val="accent1">
+              <a:shade val="50000"/>
+            </a:schemeClr>
+          </a:lnRef>
+          <a:fillRef idx="1">
+            <a:schemeClr val="accent1"/>
+          </a:fillRef>
+          <a:effectRef idx="0">
+            <a:schemeClr val="accent1"/>
+          </a:effectRef>
+          <a:fontRef idx="minor">
+            <a:schemeClr val="lt1"/>
+          </a:fontRef>
+        </p:style>
+        <p:txBody>
+          <a:bodyPr rtlCol="0" anchor="ctr"/>
+          <a:lstStyle/>
+          <a:p>
+            <a:pPr algn="ctr"/>
+            <a:endParaRPr lang="zh-CN" altLang="en-US"/>
+          </a:p>
+        </p:txBody>
+      </p:sp>
+      <p:sp>
+        <p:nvSpPr>
+          <p:cNvPr id="2" name="箭头: 右 1">
+            <a:extLst>
+              <a:ext uri="{FF2B5EF4-FFF2-40B4-BE49-F238E27FC236}">
+                <a16:creationId xmlns:a16="http://schemas.microsoft.com/office/drawing/2014/main" id="{EC19CDD4-BEB5-4E0D-846A-05CC8B430E1B}"/>
+              </a:ext>
+            </a:extLst>
+          </p:cNvPr>
+          <p:cNvSpPr/>
+          <p:nvPr/>
+        </p:nvSpPr>
+        <p:spPr>
+          <a:xfrm>
+            <a:off x="3767485" y="2609596"/>
+            <a:ext cx="457199" cy="274320"/>
+          </a:xfrm>
+          <a:prstGeom prst="rightArrow">
+            <a:avLst/>
+          </a:prstGeom>
+          <a:solidFill>
+            <a:srgbClr val="00B050"/>
+          </a:solidFill>
+          <a:ln>
+            <a:noFill/>
+          </a:ln>
+        </p:spPr>
+        <p:style>
+          <a:lnRef idx="2">
+            <a:schemeClr val="accent1">
+              <a:shade val="50000"/>
+            </a:schemeClr>
+          </a:lnRef>
+          <a:fillRef idx="1">
+            <a:schemeClr val="accent1"/>
+          </a:fillRef>
+          <a:effectRef idx="0">
+            <a:schemeClr val="accent1"/>
+          </a:effectRef>
+          <a:fontRef idx="minor">
+            <a:schemeClr val="lt1"/>
+          </a:fontRef>
+        </p:style>
+        <p:txBody>
+          <a:bodyPr rtlCol="0" anchor="ctr"/>
+          <a:lstStyle/>
+          <a:p>
+            <a:pPr algn="ctr"/>
+            <a:endParaRPr lang="zh-CN" altLang="en-US"/>
+          </a:p>
+        </p:txBody>
+      </p:sp>
+      <p:sp>
+        <p:nvSpPr>
+          <p:cNvPr id="11" name="箭头: 右 10">
+            <a:extLst>
+              <a:ext uri="{FF2B5EF4-FFF2-40B4-BE49-F238E27FC236}">
+                <a16:creationId xmlns:a16="http://schemas.microsoft.com/office/drawing/2014/main" id="{AD070766-31C3-49B9-ADA4-CE2CAC85CDC3}"/>
+              </a:ext>
+            </a:extLst>
+          </p:cNvPr>
+          <p:cNvSpPr/>
+          <p:nvPr/>
+        </p:nvSpPr>
+        <p:spPr>
+          <a:xfrm rot="10800000">
+            <a:off x="8544061" y="2609596"/>
+            <a:ext cx="457199" cy="274320"/>
+          </a:xfrm>
+          <a:prstGeom prst="rightArrow">
+            <a:avLst/>
+          </a:prstGeom>
+          <a:solidFill>
+            <a:srgbClr val="00B050"/>
+          </a:solidFill>
+          <a:ln>
+            <a:noFill/>
+          </a:ln>
+        </p:spPr>
+        <p:style>
+          <a:lnRef idx="2">
+            <a:schemeClr val="accent1">
+              <a:shade val="50000"/>
+            </a:schemeClr>
+          </a:lnRef>
+          <a:fillRef idx="1">
+            <a:schemeClr val="accent1"/>
+          </a:fillRef>
+          <a:effectRef idx="0">
+            <a:schemeClr val="accent1"/>
+          </a:effectRef>
+          <a:fontRef idx="minor">
+            <a:schemeClr val="lt1"/>
+          </a:fontRef>
+        </p:style>
+        <p:txBody>
+          <a:bodyPr rtlCol="0" anchor="ctr"/>
+          <a:lstStyle/>
+          <a:p>
+            <a:pPr algn="ctr"/>
+            <a:endParaRPr lang="zh-CN" altLang="en-US"/>
+          </a:p>
+        </p:txBody>
+      </p:sp>
+      <p:sp>
+        <p:nvSpPr>
+          <p:cNvPr id="9" name="文本框 8">
+            <a:extLst>
+              <a:ext uri="{FF2B5EF4-FFF2-40B4-BE49-F238E27FC236}">
+                <a16:creationId xmlns:a16="http://schemas.microsoft.com/office/drawing/2014/main" id="{277C7C7B-98ED-4F83-9D09-87A369FFF2BE}"/>
+              </a:ext>
+            </a:extLst>
+          </p:cNvPr>
+          <p:cNvSpPr txBox="1"/>
+          <p:nvPr/>
+        </p:nvSpPr>
+        <p:spPr>
+          <a:xfrm>
+            <a:off x="5235376" y="3359949"/>
+            <a:ext cx="1834156" cy="369332"/>
+          </a:xfrm>
+          <a:prstGeom prst="rect">
+            <a:avLst/>
+          </a:prstGeom>
+          <a:noFill/>
+        </p:spPr>
+        <p:txBody>
+          <a:bodyPr wrap="none" rtlCol="0">
+            <a:spAutoFit/>
+          </a:bodyPr>
+          <a:lstStyle/>
+          <a:p>
+            <a:r>
+              <a:rPr lang="zh-CN" altLang="en-US"/>
+              <a:t>握手时延：</a:t>
+            </a:r>
+            <a:r>
+              <a:rPr lang="en-US" altLang="zh-CN"/>
+              <a:t>2RTT</a:t>
+            </a:r>
+            <a:endParaRPr lang="zh-CN" altLang="en-US"/>
+          </a:p>
+        </p:txBody>
+      </p:sp>
+      <p:grpSp>
+        <p:nvGrpSpPr>
+          <p:cNvPr id="17" name="组合 16">
+            <a:extLst>
+              <a:ext uri="{FF2B5EF4-FFF2-40B4-BE49-F238E27FC236}">
+                <a16:creationId xmlns:a16="http://schemas.microsoft.com/office/drawing/2014/main" id="{170424F3-9DD2-4410-AF5E-154848E40A09}"/>
+              </a:ext>
+            </a:extLst>
+          </p:cNvPr>
+          <p:cNvGrpSpPr/>
+          <p:nvPr/>
+        </p:nvGrpSpPr>
+        <p:grpSpPr>
+          <a:xfrm>
+            <a:off x="3375406" y="1279144"/>
+            <a:ext cx="1656223" cy="3881977"/>
+            <a:chOff x="1515075" y="396275"/>
+            <a:chExt cx="1656223" cy="3881977"/>
+          </a:xfrm>
+        </p:grpSpPr>
+        <p:cxnSp>
+          <p:nvCxnSpPr>
+            <p:cNvPr id="18" name="直接连接符 17">
+              <a:extLst>
+                <a:ext uri="{FF2B5EF4-FFF2-40B4-BE49-F238E27FC236}">
+                  <a16:creationId xmlns:a16="http://schemas.microsoft.com/office/drawing/2014/main" id="{D2E88DC7-9E57-4EBC-B54C-9951F13009E4}"/>
+                </a:ext>
+              </a:extLst>
+            </p:cNvPr>
+            <p:cNvCxnSpPr/>
+            <p:nvPr/>
+          </p:nvCxnSpPr>
+          <p:spPr>
+            <a:xfrm>
+              <a:off x="2247989" y="396275"/>
+              <a:ext cx="0" cy="2935224"/>
+            </a:xfrm>
+            <a:prstGeom prst="line">
+              <a:avLst/>
+            </a:prstGeom>
+            <a:ln w="38100">
+              <a:solidFill>
+                <a:srgbClr val="FF0000"/>
+              </a:solidFill>
+              <a:prstDash val="dash"/>
+            </a:ln>
+          </p:spPr>
+          <p:style>
+            <a:lnRef idx="1">
+              <a:schemeClr val="accent1"/>
+            </a:lnRef>
+            <a:fillRef idx="0">
+              <a:schemeClr val="accent1"/>
+            </a:fillRef>
+            <a:effectRef idx="0">
+              <a:schemeClr val="accent1"/>
+            </a:effectRef>
+            <a:fontRef idx="minor">
+              <a:schemeClr val="tx1"/>
+            </a:fontRef>
+          </p:style>
+        </p:cxnSp>
+        <p:cxnSp>
+          <p:nvCxnSpPr>
+            <p:cNvPr id="19" name="直接连接符 18">
+              <a:extLst>
+                <a:ext uri="{FF2B5EF4-FFF2-40B4-BE49-F238E27FC236}">
+                  <a16:creationId xmlns:a16="http://schemas.microsoft.com/office/drawing/2014/main" id="{8E014AFC-5F5F-4BF0-B0FA-4F14DD947732}"/>
+                </a:ext>
+              </a:extLst>
+            </p:cNvPr>
+            <p:cNvCxnSpPr/>
+            <p:nvPr/>
+          </p:nvCxnSpPr>
+          <p:spPr>
+            <a:xfrm>
+              <a:off x="1900517" y="396275"/>
+              <a:ext cx="0" cy="2935224"/>
+            </a:xfrm>
+            <a:prstGeom prst="line">
+              <a:avLst/>
+            </a:prstGeom>
+            <a:ln w="38100">
+              <a:solidFill>
+                <a:srgbClr val="FF0000"/>
+              </a:solidFill>
+              <a:prstDash val="dash"/>
+            </a:ln>
+          </p:spPr>
+          <p:style>
+            <a:lnRef idx="1">
+              <a:schemeClr val="accent1"/>
+            </a:lnRef>
+            <a:fillRef idx="0">
+              <a:schemeClr val="accent1"/>
+            </a:fillRef>
+            <a:effectRef idx="0">
+              <a:schemeClr val="accent1"/>
+            </a:effectRef>
+            <a:fontRef idx="minor">
+              <a:schemeClr val="tx1"/>
+            </a:fontRef>
+          </p:style>
+        </p:cxnSp>
+        <p:sp>
+          <p:nvSpPr>
+            <p:cNvPr id="20" name="右大括号 19">
+              <a:extLst>
+                <a:ext uri="{FF2B5EF4-FFF2-40B4-BE49-F238E27FC236}">
+                  <a16:creationId xmlns:a16="http://schemas.microsoft.com/office/drawing/2014/main" id="{44D75CF9-BE42-4B43-8AB3-6E8DA537DE46}"/>
+                </a:ext>
+              </a:extLst>
+            </p:cNvPr>
+            <p:cNvSpPr/>
+            <p:nvPr/>
+          </p:nvSpPr>
+          <p:spPr>
+            <a:xfrm rot="5400000">
+              <a:off x="1992645" y="3232738"/>
+              <a:ext cx="156556" cy="354086"/>
+            </a:xfrm>
+            <a:prstGeom prst="rightBrace">
+              <a:avLst>
+                <a:gd name="adj1" fmla="val 35951"/>
+                <a:gd name="adj2" fmla="val 49999"/>
+              </a:avLst>
+            </a:prstGeom>
+            <a:ln w="28575">
+              <a:solidFill>
+                <a:schemeClr val="tx1"/>
+              </a:solidFill>
+            </a:ln>
+          </p:spPr>
+          <p:style>
+            <a:lnRef idx="1">
+              <a:schemeClr val="accent1"/>
+            </a:lnRef>
+            <a:fillRef idx="0">
+              <a:schemeClr val="accent1"/>
+            </a:fillRef>
+            <a:effectRef idx="0">
+              <a:schemeClr val="accent1"/>
+            </a:effectRef>
+            <a:fontRef idx="minor">
+              <a:schemeClr val="tx1"/>
+            </a:fontRef>
+          </p:style>
+          <p:txBody>
+            <a:bodyPr rtlCol="0" anchor="ctr"/>
+            <a:lstStyle/>
+            <a:p>
+              <a:pPr algn="ctr"/>
+              <a:endParaRPr lang="zh-CN" altLang="en-US"/>
+            </a:p>
+          </p:txBody>
+        </p:sp>
+        <p:sp>
+          <p:nvSpPr>
+            <p:cNvPr id="21" name="文本框 20">
+              <a:extLst>
+                <a:ext uri="{FF2B5EF4-FFF2-40B4-BE49-F238E27FC236}">
+                  <a16:creationId xmlns:a16="http://schemas.microsoft.com/office/drawing/2014/main" id="{BAA3E346-CC2E-4E2E-BA8F-A21737D9B163}"/>
+                </a:ext>
+              </a:extLst>
+            </p:cNvPr>
+            <p:cNvSpPr txBox="1"/>
+            <p:nvPr/>
+          </p:nvSpPr>
+          <p:spPr>
+            <a:xfrm>
+              <a:off x="1515075" y="3631921"/>
+              <a:ext cx="1656223" cy="646331"/>
+            </a:xfrm>
+            <a:prstGeom prst="rect">
+              <a:avLst/>
+            </a:prstGeom>
+            <a:noFill/>
+          </p:spPr>
+          <p:txBody>
+            <a:bodyPr wrap="none" rtlCol="0">
+              <a:spAutoFit/>
+            </a:bodyPr>
+            <a:lstStyle/>
+            <a:p>
+              <a:r>
+                <a:rPr lang="zh-CN" altLang="en-US" b="1"/>
+                <a:t>发送时延</a:t>
+              </a:r>
+              <a:endParaRPr lang="en-US" altLang="zh-CN" b="1"/>
+            </a:p>
+            <a:p>
+              <a:r>
+                <a:rPr lang="zh-CN" altLang="en-US"/>
+                <a:t>分组大小</a:t>
+              </a:r>
+              <a:r>
+                <a:rPr lang="en-US" altLang="zh-CN"/>
+                <a:t>/</a:t>
+              </a:r>
+              <a:r>
+                <a:rPr lang="zh-CN" altLang="en-US"/>
+                <a:t>带宽</a:t>
+              </a:r>
+            </a:p>
+          </p:txBody>
+        </p:sp>
+      </p:grpSp>
+      <p:sp>
+        <p:nvSpPr>
+          <p:cNvPr id="27" name="箭头: 右 26">
+            <a:extLst>
+              <a:ext uri="{FF2B5EF4-FFF2-40B4-BE49-F238E27FC236}">
+                <a16:creationId xmlns:a16="http://schemas.microsoft.com/office/drawing/2014/main" id="{BAA4208E-7430-44FB-A52A-31481F4DD9D2}"/>
+              </a:ext>
+            </a:extLst>
+          </p:cNvPr>
+          <p:cNvSpPr/>
+          <p:nvPr/>
+        </p:nvSpPr>
+        <p:spPr>
+          <a:xfrm>
+            <a:off x="3760848" y="2609596"/>
+            <a:ext cx="457199" cy="274320"/>
+          </a:xfrm>
+          <a:prstGeom prst="rightArrow">
+            <a:avLst/>
+          </a:prstGeom>
+          <a:solidFill>
+            <a:srgbClr val="00B050"/>
+          </a:solidFill>
+          <a:ln>
+            <a:noFill/>
+          </a:ln>
+        </p:spPr>
+        <p:style>
+          <a:lnRef idx="2">
+            <a:schemeClr val="accent1">
+              <a:shade val="50000"/>
+            </a:schemeClr>
+          </a:lnRef>
+          <a:fillRef idx="1">
+            <a:schemeClr val="accent1"/>
+          </a:fillRef>
+          <a:effectRef idx="0">
+            <a:schemeClr val="accent1"/>
+          </a:effectRef>
+          <a:fontRef idx="minor">
+            <a:schemeClr val="lt1"/>
+          </a:fontRef>
+        </p:style>
+        <p:txBody>
+          <a:bodyPr rtlCol="0" anchor="ctr"/>
+          <a:lstStyle/>
+          <a:p>
+            <a:pPr algn="ctr"/>
+            <a:endParaRPr lang="zh-CN" altLang="en-US"/>
+          </a:p>
+        </p:txBody>
+      </p:sp>
+      <p:sp>
+        <p:nvSpPr>
+          <p:cNvPr id="28" name="箭头: 右 27">
+            <a:extLst>
+              <a:ext uri="{FF2B5EF4-FFF2-40B4-BE49-F238E27FC236}">
+                <a16:creationId xmlns:a16="http://schemas.microsoft.com/office/drawing/2014/main" id="{48AAA438-9208-4C7B-A192-0CBA2D8FBE72}"/>
+              </a:ext>
+            </a:extLst>
+          </p:cNvPr>
+          <p:cNvSpPr/>
+          <p:nvPr/>
+        </p:nvSpPr>
+        <p:spPr>
+          <a:xfrm rot="10800000">
+            <a:off x="8537424" y="2609596"/>
+            <a:ext cx="457199" cy="274320"/>
+          </a:xfrm>
+          <a:prstGeom prst="rightArrow">
+            <a:avLst/>
+          </a:prstGeom>
+          <a:solidFill>
+            <a:srgbClr val="00B050"/>
+          </a:solidFill>
+          <a:ln>
+            <a:noFill/>
+          </a:ln>
+        </p:spPr>
+        <p:style>
+          <a:lnRef idx="2">
+            <a:schemeClr val="accent1">
+              <a:shade val="50000"/>
+            </a:schemeClr>
+          </a:lnRef>
+          <a:fillRef idx="1">
+            <a:schemeClr val="accent1"/>
+          </a:fillRef>
+          <a:effectRef idx="0">
+            <a:schemeClr val="accent1"/>
+          </a:effectRef>
+          <a:fontRef idx="minor">
+            <a:schemeClr val="lt1"/>
+          </a:fontRef>
+        </p:style>
+        <p:txBody>
+          <a:bodyPr rtlCol="0" anchor="ctr"/>
+          <a:lstStyle/>
+          <a:p>
+            <a:pPr algn="ctr"/>
+            <a:endParaRPr lang="zh-CN" altLang="en-US"/>
+          </a:p>
+        </p:txBody>
+      </p:sp>
+      <p:grpSp>
+        <p:nvGrpSpPr>
+          <p:cNvPr id="13" name="组合 12">
+            <a:extLst>
+              <a:ext uri="{FF2B5EF4-FFF2-40B4-BE49-F238E27FC236}">
+                <a16:creationId xmlns:a16="http://schemas.microsoft.com/office/drawing/2014/main" id="{970B10AF-60B3-424D-8D19-1DD7463F9155}"/>
+              </a:ext>
+            </a:extLst>
+          </p:cNvPr>
+          <p:cNvGrpSpPr/>
+          <p:nvPr/>
+        </p:nvGrpSpPr>
+        <p:grpSpPr>
+          <a:xfrm>
+            <a:off x="4114932" y="1279144"/>
+            <a:ext cx="4891406" cy="4119670"/>
+            <a:chOff x="2254601" y="396275"/>
+            <a:chExt cx="4891406" cy="4119670"/>
+          </a:xfrm>
+        </p:grpSpPr>
+        <p:grpSp>
+          <p:nvGrpSpPr>
+            <p:cNvPr id="22" name="组合 21">
+              <a:extLst>
+                <a:ext uri="{FF2B5EF4-FFF2-40B4-BE49-F238E27FC236}">
+                  <a16:creationId xmlns:a16="http://schemas.microsoft.com/office/drawing/2014/main" id="{88222B03-38A7-4FE9-8D88-4F85482C2A99}"/>
+                </a:ext>
+              </a:extLst>
+            </p:cNvPr>
+            <p:cNvGrpSpPr/>
+            <p:nvPr/>
+          </p:nvGrpSpPr>
+          <p:grpSpPr>
+            <a:xfrm>
+              <a:off x="2254601" y="437925"/>
+              <a:ext cx="4891406" cy="4078020"/>
+              <a:chOff x="1515074" y="437925"/>
+              <a:chExt cx="3591681" cy="4078020"/>
+            </a:xfrm>
+          </p:grpSpPr>
+          <p:cxnSp>
+            <p:nvCxnSpPr>
+              <p:cNvPr id="23" name="直接连接符 22">
+                <a:extLst>
+                  <a:ext uri="{FF2B5EF4-FFF2-40B4-BE49-F238E27FC236}">
+                    <a16:creationId xmlns:a16="http://schemas.microsoft.com/office/drawing/2014/main" id="{CF59C0DF-DA68-4463-BE5A-EA7AEE71157E}"/>
+                  </a:ext>
+                </a:extLst>
+              </p:cNvPr>
+              <p:cNvCxnSpPr/>
+              <p:nvPr/>
+            </p:nvCxnSpPr>
+            <p:spPr>
+              <a:xfrm>
+                <a:off x="5103026" y="437925"/>
+                <a:ext cx="0" cy="2935224"/>
+              </a:xfrm>
+              <a:prstGeom prst="line">
+                <a:avLst/>
+              </a:prstGeom>
+              <a:ln w="38100">
+                <a:solidFill>
+                  <a:srgbClr val="FF0000"/>
+                </a:solidFill>
+                <a:prstDash val="dash"/>
+              </a:ln>
+            </p:spPr>
+            <p:style>
+              <a:lnRef idx="1">
+                <a:schemeClr val="accent1"/>
+              </a:lnRef>
+              <a:fillRef idx="0">
+                <a:schemeClr val="accent1"/>
+              </a:fillRef>
+              <a:effectRef idx="0">
+                <a:schemeClr val="accent1"/>
+              </a:effectRef>
+              <a:fontRef idx="minor">
+                <a:schemeClr val="tx1"/>
+              </a:fontRef>
+            </p:style>
+          </p:cxnSp>
+          <p:sp>
+            <p:nvSpPr>
+              <p:cNvPr id="25" name="右大括号 24">
+                <a:extLst>
+                  <a:ext uri="{FF2B5EF4-FFF2-40B4-BE49-F238E27FC236}">
+                    <a16:creationId xmlns:a16="http://schemas.microsoft.com/office/drawing/2014/main" id="{59D94D06-41DB-44BC-9638-D4608CF13052}"/>
+                  </a:ext>
+                </a:extLst>
+              </p:cNvPr>
+              <p:cNvSpPr/>
+              <p:nvPr/>
+            </p:nvSpPr>
+            <p:spPr>
+              <a:xfrm rot="5400000">
+                <a:off x="3126249" y="1723755"/>
+                <a:ext cx="369331" cy="3591681"/>
+              </a:xfrm>
+              <a:prstGeom prst="rightBrace">
+                <a:avLst>
+                  <a:gd name="adj1" fmla="val 153140"/>
+                  <a:gd name="adj2" fmla="val 50418"/>
+                </a:avLst>
+              </a:prstGeom>
+              <a:ln w="28575">
+                <a:solidFill>
+                  <a:schemeClr val="tx1"/>
+                </a:solidFill>
+              </a:ln>
+            </p:spPr>
+            <p:style>
+              <a:lnRef idx="1">
+                <a:schemeClr val="accent1"/>
+              </a:lnRef>
+              <a:fillRef idx="0">
+                <a:schemeClr val="accent1"/>
+              </a:fillRef>
+              <a:effectRef idx="0">
+                <a:schemeClr val="accent1"/>
+              </a:effectRef>
+              <a:fontRef idx="minor">
+                <a:schemeClr val="tx1"/>
+              </a:fontRef>
+            </p:style>
+            <p:txBody>
+              <a:bodyPr rtlCol="0" anchor="ctr"/>
+              <a:lstStyle/>
+              <a:p>
+                <a:pPr algn="ctr"/>
+                <a:endParaRPr lang="zh-CN" altLang="en-US"/>
+              </a:p>
+            </p:txBody>
+          </p:sp>
+          <p:sp>
+            <p:nvSpPr>
+              <p:cNvPr id="26" name="文本框 25">
+                <a:extLst>
+                  <a:ext uri="{FF2B5EF4-FFF2-40B4-BE49-F238E27FC236}">
+                    <a16:creationId xmlns:a16="http://schemas.microsoft.com/office/drawing/2014/main" id="{97C54969-788D-4DB2-8020-1F682579F437}"/>
+                  </a:ext>
+                </a:extLst>
+              </p:cNvPr>
+              <p:cNvSpPr txBox="1"/>
+              <p:nvPr/>
+            </p:nvSpPr>
+            <p:spPr>
+              <a:xfrm>
+                <a:off x="2819361" y="3869614"/>
+                <a:ext cx="813584" cy="646331"/>
+              </a:xfrm>
+              <a:prstGeom prst="rect">
+                <a:avLst/>
+              </a:prstGeom>
+              <a:noFill/>
+            </p:spPr>
+            <p:txBody>
+              <a:bodyPr wrap="none" rtlCol="0">
+                <a:spAutoFit/>
+              </a:bodyPr>
+              <a:lstStyle/>
+              <a:p>
+                <a:r>
+                  <a:rPr lang="zh-CN" altLang="en-US" b="1"/>
+                  <a:t>传播时延</a:t>
+                </a:r>
+                <a:endParaRPr lang="en-US" altLang="zh-CN" b="1"/>
+              </a:p>
+              <a:p>
+                <a:r>
+                  <a:rPr lang="en-US" altLang="zh-CN"/>
+                  <a:t>RTT/2</a:t>
+                </a:r>
+                <a:endParaRPr lang="zh-CN" altLang="en-US"/>
+              </a:p>
+            </p:txBody>
+          </p:sp>
+        </p:grpSp>
+        <p:cxnSp>
+          <p:nvCxnSpPr>
+            <p:cNvPr id="29" name="直接连接符 28">
+              <a:extLst>
+                <a:ext uri="{FF2B5EF4-FFF2-40B4-BE49-F238E27FC236}">
+                  <a16:creationId xmlns:a16="http://schemas.microsoft.com/office/drawing/2014/main" id="{1D426418-9611-455F-9A7D-39A73F914032}"/>
+                </a:ext>
+              </a:extLst>
+            </p:cNvPr>
+            <p:cNvCxnSpPr/>
+            <p:nvPr/>
+          </p:nvCxnSpPr>
+          <p:spPr>
+            <a:xfrm>
+              <a:off x="2269306" y="396275"/>
+              <a:ext cx="0" cy="2935224"/>
+            </a:xfrm>
+            <a:prstGeom prst="line">
+              <a:avLst/>
+            </a:prstGeom>
+            <a:ln w="38100">
+              <a:solidFill>
+                <a:srgbClr val="FF0000"/>
+              </a:solidFill>
+              <a:prstDash val="dash"/>
+            </a:ln>
+          </p:spPr>
+          <p:style>
+            <a:lnRef idx="1">
+              <a:schemeClr val="accent1"/>
+            </a:lnRef>
+            <a:fillRef idx="0">
+              <a:schemeClr val="accent1"/>
+            </a:fillRef>
+            <a:effectRef idx="0">
+              <a:schemeClr val="accent1"/>
+            </a:effectRef>
+            <a:fontRef idx="minor">
+              <a:schemeClr val="tx1"/>
+            </a:fontRef>
+          </p:style>
+        </p:cxnSp>
+      </p:grpSp>
+    </p:spTree>
+    <p:extLst>
+      <p:ext uri="{BB962C8B-B14F-4D97-AF65-F5344CB8AC3E}">
+        <p14:creationId xmlns:p14="http://schemas.microsoft.com/office/powerpoint/2010/main" val="1144520614"/>
+      </p:ext>
+    </p:extLst>
+  </p:cSld>
+  <p:clrMapOvr>
+    <a:masterClrMapping/>
+  </p:clrMapOvr>
+  <p:timing>
+    <p:tnLst>
+      <p:par>
+        <p:cTn id="1" dur="indefinite" restart="never" nodeType="tmRoot">
+          <p:childTnLst>
+            <p:seq concurrent="1" nextAc="seek">
+              <p:cTn id="2" dur="indefinite" nodeType="mainSeq">
+                <p:childTnLst>
+                  <p:par>
+                    <p:cTn id="3" fill="hold">
+                      <p:stCondLst>
+                        <p:cond delay="indefinite"/>
+                      </p:stCondLst>
+                      <p:childTnLst>
+                        <p:par>
+                          <p:cTn id="4" fill="hold">
+                            <p:stCondLst>
+                              <p:cond delay="0"/>
+                            </p:stCondLst>
+                            <p:childTnLst>
+                              <p:par>
+                                <p:cTn id="5" presetID="42" presetClass="path" presetSubtype="0" accel="50000" decel="50000" fill="hold" grpId="0" nodeType="clickEffect">
+                                  <p:stCondLst>
+                                    <p:cond delay="0"/>
+                                  </p:stCondLst>
+                                  <p:childTnLst>
+                                    <p:animMotion origin="layout" path="M -4.375E-6 -2.96296E-6 L 0.39232 0.00278 " pathEditMode="relative" rAng="0" ptsTypes="AA">
+                                      <p:cBhvr>
+                                        <p:cTn id="6" dur="1500" fill="hold"/>
+                                        <p:tgtEl>
+                                          <p:spTgt spid="2"/>
+                                        </p:tgtEl>
+                                        <p:attrNameLst>
+                                          <p:attrName>ppt_x</p:attrName>
+                                          <p:attrName>ppt_y</p:attrName>
+                                        </p:attrNameLst>
+                                      </p:cBhvr>
+                                      <p:rCtr x="19609" y="139"/>
+                                    </p:animMotion>
+                                  </p:childTnLst>
+                                </p:cTn>
+                              </p:par>
+                            </p:childTnLst>
+                          </p:cTn>
+                        </p:par>
+                        <p:par>
+                          <p:cTn id="7" fill="hold">
+                            <p:stCondLst>
+                              <p:cond delay="1500"/>
+                            </p:stCondLst>
+                            <p:childTnLst>
+                              <p:par>
+                                <p:cTn id="8" presetID="1" presetClass="exit" presetSubtype="0" fill="hold" grpId="1" nodeType="afterEffect">
+                                  <p:stCondLst>
+                                    <p:cond delay="0"/>
+                                  </p:stCondLst>
+                                  <p:childTnLst>
+                                    <p:set>
+                                      <p:cBhvr>
+                                        <p:cTn id="9" dur="1" fill="hold">
+                                          <p:stCondLst>
+                                            <p:cond delay="0"/>
+                                          </p:stCondLst>
+                                        </p:cTn>
+                                        <p:tgtEl>
+                                          <p:spTgt spid="2"/>
+                                        </p:tgtEl>
+                                        <p:attrNameLst>
+                                          <p:attrName>style.visibility</p:attrName>
+                                        </p:attrNameLst>
+                                      </p:cBhvr>
+                                      <p:to>
+                                        <p:strVal val="hidden"/>
+                                      </p:to>
+                                    </p:set>
+                                  </p:childTnLst>
+                                </p:cTn>
+                              </p:par>
+                              <p:par>
+                                <p:cTn id="10" presetID="1" presetClass="entr" presetSubtype="0" fill="hold" grpId="1" nodeType="withEffect">
+                                  <p:stCondLst>
+                                    <p:cond delay="0"/>
+                                  </p:stCondLst>
+                                  <p:childTnLst>
+                                    <p:set>
+                                      <p:cBhvr>
+                                        <p:cTn id="11" dur="1" fill="hold">
+                                          <p:stCondLst>
+                                            <p:cond delay="0"/>
+                                          </p:stCondLst>
+                                        </p:cTn>
+                                        <p:tgtEl>
+                                          <p:spTgt spid="11"/>
+                                        </p:tgtEl>
+                                        <p:attrNameLst>
+                                          <p:attrName>style.visibility</p:attrName>
+                                        </p:attrNameLst>
+                                      </p:cBhvr>
+                                      <p:to>
+                                        <p:strVal val="visible"/>
+                                      </p:to>
+                                    </p:set>
+                                  </p:childTnLst>
+                                </p:cTn>
+                              </p:par>
+                            </p:childTnLst>
+                          </p:cTn>
+                        </p:par>
+                        <p:par>
+                          <p:cTn id="12" fill="hold">
+                            <p:stCondLst>
+                              <p:cond delay="1500"/>
+                            </p:stCondLst>
+                            <p:childTnLst>
+                              <p:par>
+                                <p:cTn id="13" presetID="42" presetClass="path" presetSubtype="0" accel="50000" decel="50000" fill="hold" grpId="0" nodeType="afterEffect">
+                                  <p:stCondLst>
+                                    <p:cond delay="0"/>
+                                  </p:stCondLst>
+                                  <p:childTnLst>
+                                    <p:animMotion origin="layout" path="M -1.25E-6 -2.96296E-6 L -0.39622 0.00023 " pathEditMode="relative" rAng="0" ptsTypes="AA">
+                                      <p:cBhvr>
+                                        <p:cTn id="14" dur="1500" fill="hold"/>
+                                        <p:tgtEl>
+                                          <p:spTgt spid="11"/>
+                                        </p:tgtEl>
+                                        <p:attrNameLst>
+                                          <p:attrName>ppt_x</p:attrName>
+                                          <p:attrName>ppt_y</p:attrName>
+                                        </p:attrNameLst>
+                                      </p:cBhvr>
+                                      <p:rCtr x="-19818" y="0"/>
+                                    </p:animMotion>
+                                  </p:childTnLst>
+                                </p:cTn>
+                              </p:par>
+                            </p:childTnLst>
+                          </p:cTn>
+                        </p:par>
+                        <p:par>
+                          <p:cTn id="15" fill="hold">
+                            <p:stCondLst>
+                              <p:cond delay="3000"/>
+                            </p:stCondLst>
+                            <p:childTnLst>
+                              <p:par>
+                                <p:cTn id="16" presetID="1" presetClass="exit" presetSubtype="0" fill="hold" grpId="2" nodeType="afterEffect">
+                                  <p:stCondLst>
+                                    <p:cond delay="0"/>
+                                  </p:stCondLst>
+                                  <p:childTnLst>
+                                    <p:set>
+                                      <p:cBhvr>
+                                        <p:cTn id="17" dur="1" fill="hold">
+                                          <p:stCondLst>
+                                            <p:cond delay="0"/>
+                                          </p:stCondLst>
+                                        </p:cTn>
+                                        <p:tgtEl>
+                                          <p:spTgt spid="11"/>
+                                        </p:tgtEl>
+                                        <p:attrNameLst>
+                                          <p:attrName>style.visibility</p:attrName>
+                                        </p:attrNameLst>
+                                      </p:cBhvr>
+                                      <p:to>
+                                        <p:strVal val="hidden"/>
+                                      </p:to>
+                                    </p:set>
+                                  </p:childTnLst>
+                                </p:cTn>
+                              </p:par>
+                            </p:childTnLst>
+                          </p:cTn>
+                        </p:par>
+                        <p:par>
+                          <p:cTn id="18" fill="hold">
+                            <p:stCondLst>
+                              <p:cond delay="3000"/>
+                            </p:stCondLst>
+                            <p:childTnLst>
+                              <p:par>
+                                <p:cTn id="19" presetID="1" presetClass="entr" presetSubtype="0" fill="hold" grpId="2" nodeType="afterEffect">
+                                  <p:stCondLst>
+                                    <p:cond delay="0"/>
+                                  </p:stCondLst>
+                                  <p:childTnLst>
+                                    <p:set>
+                                      <p:cBhvr>
+                                        <p:cTn id="20" dur="1" fill="hold">
+                                          <p:stCondLst>
+                                            <p:cond delay="0"/>
+                                          </p:stCondLst>
+                                        </p:cTn>
+                                        <p:tgtEl>
+                                          <p:spTgt spid="27"/>
+                                        </p:tgtEl>
+                                        <p:attrNameLst>
+                                          <p:attrName>style.visibility</p:attrName>
+                                        </p:attrNameLst>
+                                      </p:cBhvr>
+                                      <p:to>
+                                        <p:strVal val="visible"/>
+                                      </p:to>
+                                    </p:set>
+                                  </p:childTnLst>
+                                </p:cTn>
+                              </p:par>
+                            </p:childTnLst>
+                          </p:cTn>
+                        </p:par>
+                        <p:par>
+                          <p:cTn id="21" fill="hold">
+                            <p:stCondLst>
+                              <p:cond delay="3000"/>
+                            </p:stCondLst>
+                            <p:childTnLst>
+                              <p:par>
+                                <p:cTn id="22" presetID="42" presetClass="path" presetSubtype="0" accel="50000" decel="50000" fill="hold" grpId="0" nodeType="afterEffect">
+                                  <p:stCondLst>
+                                    <p:cond delay="0"/>
+                                  </p:stCondLst>
+                                  <p:childTnLst>
+                                    <p:animMotion origin="layout" path="M -3.54167E-6 -2.96296E-6 L 0.39232 0.00278 " pathEditMode="relative" rAng="0" ptsTypes="AA">
+                                      <p:cBhvr>
+                                        <p:cTn id="23" dur="1500" fill="hold"/>
+                                        <p:tgtEl>
+                                          <p:spTgt spid="27"/>
+                                        </p:tgtEl>
+                                        <p:attrNameLst>
+                                          <p:attrName>ppt_x</p:attrName>
+                                          <p:attrName>ppt_y</p:attrName>
+                                        </p:attrNameLst>
+                                      </p:cBhvr>
+                                      <p:rCtr x="19609" y="139"/>
+                                    </p:animMotion>
+                                  </p:childTnLst>
+                                </p:cTn>
+                              </p:par>
+                            </p:childTnLst>
+                          </p:cTn>
+                        </p:par>
+                        <p:par>
+                          <p:cTn id="24" fill="hold">
+                            <p:stCondLst>
+                              <p:cond delay="4500"/>
+                            </p:stCondLst>
+                            <p:childTnLst>
+                              <p:par>
+                                <p:cTn id="25" presetID="1" presetClass="exit" presetSubtype="0" fill="hold" grpId="1" nodeType="afterEffect">
+                                  <p:stCondLst>
+                                    <p:cond delay="0"/>
+                                  </p:stCondLst>
+                                  <p:childTnLst>
+                                    <p:set>
+                                      <p:cBhvr>
+                                        <p:cTn id="26" dur="1" fill="hold">
+                                          <p:stCondLst>
+                                            <p:cond delay="0"/>
+                                          </p:stCondLst>
+                                        </p:cTn>
+                                        <p:tgtEl>
+                                          <p:spTgt spid="27"/>
+                                        </p:tgtEl>
+                                        <p:attrNameLst>
+                                          <p:attrName>style.visibility</p:attrName>
+                                        </p:attrNameLst>
+                                      </p:cBhvr>
+                                      <p:to>
+                                        <p:strVal val="hidden"/>
+                                      </p:to>
+                                    </p:set>
+                                  </p:childTnLst>
+                                </p:cTn>
+                              </p:par>
+                              <p:par>
+                                <p:cTn id="27" presetID="1" presetClass="entr" presetSubtype="0" fill="hold" grpId="1" nodeType="withEffect">
+                                  <p:stCondLst>
+                                    <p:cond delay="0"/>
+                                  </p:stCondLst>
+                                  <p:childTnLst>
+                                    <p:set>
+                                      <p:cBhvr>
+                                        <p:cTn id="28" dur="1" fill="hold">
+                                          <p:stCondLst>
+                                            <p:cond delay="0"/>
+                                          </p:stCondLst>
+                                        </p:cTn>
+                                        <p:tgtEl>
+                                          <p:spTgt spid="28"/>
+                                        </p:tgtEl>
+                                        <p:attrNameLst>
+                                          <p:attrName>style.visibility</p:attrName>
+                                        </p:attrNameLst>
+                                      </p:cBhvr>
+                                      <p:to>
+                                        <p:strVal val="visible"/>
+                                      </p:to>
+                                    </p:set>
+                                  </p:childTnLst>
+                                </p:cTn>
+                              </p:par>
+                            </p:childTnLst>
+                          </p:cTn>
+                        </p:par>
+                        <p:par>
+                          <p:cTn id="29" fill="hold">
+                            <p:stCondLst>
+                              <p:cond delay="4500"/>
+                            </p:stCondLst>
+                            <p:childTnLst>
+                              <p:par>
+                                <p:cTn id="30" presetID="42" presetClass="path" presetSubtype="0" accel="50000" decel="50000" fill="hold" grpId="0" nodeType="afterEffect">
+                                  <p:stCondLst>
+                                    <p:cond delay="0"/>
+                                  </p:stCondLst>
+                                  <p:childTnLst>
+                                    <p:animMotion origin="layout" path="M -4.16667E-7 -2.96296E-6 L -0.39622 0.00023 " pathEditMode="relative" rAng="0" ptsTypes="AA">
+                                      <p:cBhvr>
+                                        <p:cTn id="31" dur="1500" fill="hold"/>
+                                        <p:tgtEl>
+                                          <p:spTgt spid="28"/>
+                                        </p:tgtEl>
+                                        <p:attrNameLst>
+                                          <p:attrName>ppt_x</p:attrName>
+                                          <p:attrName>ppt_y</p:attrName>
+                                        </p:attrNameLst>
+                                      </p:cBhvr>
+                                      <p:rCtr x="-19818" y="0"/>
+                                    </p:animMotion>
+                                  </p:childTnLst>
+                                </p:cTn>
+                              </p:par>
+                            </p:childTnLst>
+                          </p:cTn>
+                        </p:par>
+                        <p:par>
+                          <p:cTn id="32" fill="hold">
+                            <p:stCondLst>
+                              <p:cond delay="6000"/>
+                            </p:stCondLst>
+                            <p:childTnLst>
+                              <p:par>
+                                <p:cTn id="33" presetID="1" presetClass="exit" presetSubtype="0" fill="hold" grpId="2" nodeType="afterEffect">
+                                  <p:stCondLst>
+                                    <p:cond delay="0"/>
+                                  </p:stCondLst>
+                                  <p:childTnLst>
+                                    <p:set>
+                                      <p:cBhvr>
+                                        <p:cTn id="34" dur="1" fill="hold">
+                                          <p:stCondLst>
+                                            <p:cond delay="0"/>
+                                          </p:stCondLst>
+                                        </p:cTn>
+                                        <p:tgtEl>
+                                          <p:spTgt spid="28"/>
+                                        </p:tgtEl>
+                                        <p:attrNameLst>
+                                          <p:attrName>style.visibility</p:attrName>
+                                        </p:attrNameLst>
+                                      </p:cBhvr>
+                                      <p:to>
+                                        <p:strVal val="hidden"/>
+                                      </p:to>
+                                    </p:set>
+                                  </p:childTnLst>
+                                </p:cTn>
+                              </p:par>
+                            </p:childTnLst>
+                          </p:cTn>
+                        </p:par>
+                        <p:par>
+                          <p:cTn id="35" fill="hold">
+                            <p:stCondLst>
+                              <p:cond delay="6000"/>
+                            </p:stCondLst>
+                            <p:childTnLst>
+                              <p:par>
+                                <p:cTn id="36" presetID="1" presetClass="entr" presetSubtype="0" fill="hold" grpId="0" nodeType="afterEffect">
+                                  <p:stCondLst>
+                                    <p:cond delay="0"/>
+                                  </p:stCondLst>
+                                  <p:childTnLst>
+                                    <p:set>
+                                      <p:cBhvr>
+                                        <p:cTn id="37" dur="1" fill="hold">
+                                          <p:stCondLst>
+                                            <p:cond delay="9"/>
+                                          </p:stCondLst>
+                                        </p:cTn>
+                                        <p:tgtEl>
+                                          <p:spTgt spid="9"/>
+                                        </p:tgtEl>
+                                        <p:attrNameLst>
+                                          <p:attrName>style.visibility</p:attrName>
+                                        </p:attrNameLst>
+                                      </p:cBhvr>
+                                      <p:to>
+                                        <p:strVal val="visible"/>
+                                      </p:to>
+                                    </p:set>
+                                  </p:childTnLst>
+                                </p:cTn>
+                              </p:par>
+                            </p:childTnLst>
+                          </p:cTn>
+                        </p:par>
+                        <p:par>
+                          <p:cTn id="38" fill="hold">
+                            <p:stCondLst>
+                              <p:cond delay="6010"/>
+                            </p:stCondLst>
+                            <p:childTnLst>
+                              <p:par>
+                                <p:cTn id="39" presetID="1" presetClass="exit" presetSubtype="0" fill="hold" grpId="1" nodeType="afterEffect">
+                                  <p:stCondLst>
+                                    <p:cond delay="0"/>
+                                  </p:stCondLst>
+                                  <p:childTnLst>
+                                    <p:set>
+                                      <p:cBhvr>
+                                        <p:cTn id="40" dur="1" fill="hold">
+                                          <p:stCondLst>
+                                            <p:cond delay="999"/>
+                                          </p:stCondLst>
+                                        </p:cTn>
+                                        <p:tgtEl>
+                                          <p:spTgt spid="9"/>
+                                        </p:tgtEl>
+                                        <p:attrNameLst>
+                                          <p:attrName>style.visibility</p:attrName>
+                                        </p:attrNameLst>
+                                      </p:cBhvr>
+                                      <p:to>
+                                        <p:strVal val="hidden"/>
+                                      </p:to>
+                                    </p:set>
+                                  </p:childTnLst>
+                                </p:cTn>
+                              </p:par>
+                            </p:childTnLst>
+                          </p:cTn>
+                        </p:par>
+                        <p:par>
+                          <p:cTn id="41" fill="hold">
+                            <p:stCondLst>
+                              <p:cond delay="7010"/>
+                            </p:stCondLst>
+                            <p:childTnLst>
+                              <p:par>
+                                <p:cTn id="42" presetID="42" presetClass="path" presetSubtype="0" fill="hold" grpId="0" nodeType="afterEffect">
+                                  <p:stCondLst>
+                                    <p:cond delay="0"/>
+                                  </p:stCondLst>
+                                  <p:childTnLst>
+                                    <p:animMotion origin="layout" path="M -2.08333E-7 2.59259E-6 L 0.02904 -0.00023 " pathEditMode="relative" rAng="0" ptsTypes="AA">
+                                      <p:cBhvr>
+                                        <p:cTn id="43" dur="250" fill="hold"/>
+                                        <p:tgtEl>
+                                          <p:spTgt spid="7"/>
+                                        </p:tgtEl>
+                                        <p:attrNameLst>
+                                          <p:attrName>ppt_x</p:attrName>
+                                          <p:attrName>ppt_y</p:attrName>
+                                        </p:attrNameLst>
+                                      </p:cBhvr>
+                                      <p:rCtr x="1445" y="-23"/>
+                                    </p:animMotion>
+                                  </p:childTnLst>
+                                </p:cTn>
+                              </p:par>
+                              <p:par>
+                                <p:cTn id="44" presetID="1" presetClass="entr" presetSubtype="0" fill="hold" nodeType="withEffect">
+                                  <p:stCondLst>
+                                    <p:cond delay="0"/>
+                                  </p:stCondLst>
+                                  <p:childTnLst>
+                                    <p:set>
+                                      <p:cBhvr>
+                                        <p:cTn id="45" dur="1" fill="hold">
+                                          <p:stCondLst>
+                                            <p:cond delay="9"/>
+                                          </p:stCondLst>
+                                        </p:cTn>
+                                        <p:tgtEl>
+                                          <p:spTgt spid="17"/>
+                                        </p:tgtEl>
+                                        <p:attrNameLst>
+                                          <p:attrName>style.visibility</p:attrName>
+                                        </p:attrNameLst>
+                                      </p:cBhvr>
+                                      <p:to>
+                                        <p:strVal val="visible"/>
+                                      </p:to>
+                                    </p:set>
+                                  </p:childTnLst>
+                                </p:cTn>
+                              </p:par>
+                            </p:childTnLst>
+                          </p:cTn>
+                        </p:par>
+                        <p:par>
+                          <p:cTn id="46" fill="hold">
+                            <p:stCondLst>
+                              <p:cond delay="7260"/>
+                            </p:stCondLst>
+                            <p:childTnLst>
+                              <p:par>
+                                <p:cTn id="47" presetID="1" presetClass="exit" presetSubtype="0" fill="hold" nodeType="afterEffect">
+                                  <p:stCondLst>
+                                    <p:cond delay="0"/>
+                                  </p:stCondLst>
+                                  <p:childTnLst>
+                                    <p:set>
+                                      <p:cBhvr>
+                                        <p:cTn id="48" dur="1" fill="hold">
+                                          <p:stCondLst>
+                                            <p:cond delay="1499"/>
+                                          </p:stCondLst>
+                                        </p:cTn>
+                                        <p:tgtEl>
+                                          <p:spTgt spid="17"/>
+                                        </p:tgtEl>
+                                        <p:attrNameLst>
+                                          <p:attrName>style.visibility</p:attrName>
+                                        </p:attrNameLst>
+                                      </p:cBhvr>
+                                      <p:to>
+                                        <p:strVal val="hidden"/>
+                                      </p:to>
+                                    </p:set>
+                                  </p:childTnLst>
+                                </p:cTn>
+                              </p:par>
+                            </p:childTnLst>
+                          </p:cTn>
+                        </p:par>
+                        <p:par>
+                          <p:cTn id="49" fill="hold">
+                            <p:stCondLst>
+                              <p:cond delay="8760"/>
+                            </p:stCondLst>
+                            <p:childTnLst>
+                              <p:par>
+                                <p:cTn id="50" presetID="42" presetClass="path" presetSubtype="0" fill="hold" grpId="1" nodeType="afterEffect">
+                                  <p:stCondLst>
+                                    <p:cond delay="0"/>
+                                  </p:stCondLst>
+                                  <p:childTnLst>
+                                    <p:animMotion origin="layout" path="M 0.02904 -0.00023 L 0.45872 0.00115 " pathEditMode="relative" rAng="0" ptsTypes="AA">
+                                      <p:cBhvr>
+                                        <p:cTn id="51" dur="2000" fill="hold"/>
+                                        <p:tgtEl>
+                                          <p:spTgt spid="7"/>
+                                        </p:tgtEl>
+                                        <p:attrNameLst>
+                                          <p:attrName>ppt_x</p:attrName>
+                                          <p:attrName>ppt_y</p:attrName>
+                                        </p:attrNameLst>
+                                      </p:cBhvr>
+                                      <p:rCtr x="21484" y="69"/>
+                                    </p:animMotion>
+                                  </p:childTnLst>
+                                </p:cTn>
+                              </p:par>
+                            </p:childTnLst>
+                          </p:cTn>
+                        </p:par>
+                        <p:par>
+                          <p:cTn id="52" fill="hold">
+                            <p:stCondLst>
+                              <p:cond delay="10760"/>
+                            </p:stCondLst>
+                            <p:childTnLst>
+                              <p:par>
+                                <p:cTn id="53" presetID="1" presetClass="entr" presetSubtype="0" fill="hold" nodeType="afterEffect">
+                                  <p:stCondLst>
+                                    <p:cond delay="0"/>
+                                  </p:stCondLst>
+                                  <p:childTnLst>
+                                    <p:set>
+                                      <p:cBhvr>
+                                        <p:cTn id="54" dur="1" fill="hold">
+                                          <p:stCondLst>
+                                            <p:cond delay="0"/>
+                                          </p:stCondLst>
+                                        </p:cTn>
+                                        <p:tgtEl>
+                                          <p:spTgt spid="13"/>
+                                        </p:tgtEl>
+                                        <p:attrNameLst>
+                                          <p:attrName>style.visibility</p:attrName>
+                                        </p:attrNameLst>
+                                      </p:cBhvr>
+                                      <p:to>
+                                        <p:strVal val="visible"/>
+                                      </p:to>
+                                    </p:set>
+                                  </p:childTnLst>
+                                </p:cTn>
+                              </p:par>
+                            </p:childTnLst>
+                          </p:cTn>
+                        </p:par>
+                        <p:par>
+                          <p:cTn id="55" fill="hold">
+                            <p:stCondLst>
+                              <p:cond delay="10760"/>
+                            </p:stCondLst>
+                            <p:childTnLst>
+                              <p:par>
+                                <p:cTn id="56" presetID="1" presetClass="exit" presetSubtype="0" fill="hold" nodeType="afterEffect">
+                                  <p:stCondLst>
+                                    <p:cond delay="0"/>
+                                  </p:stCondLst>
+                                  <p:childTnLst>
+                                    <p:set>
+                                      <p:cBhvr>
+                                        <p:cTn id="57" dur="1" fill="hold">
+                                          <p:stCondLst>
+                                            <p:cond delay="2999"/>
+                                          </p:stCondLst>
+                                        </p:cTn>
+                                        <p:tgtEl>
+                                          <p:spTgt spid="13"/>
+                                        </p:tgtEl>
+                                        <p:attrNameLst>
+                                          <p:attrName>style.visibility</p:attrName>
+                                        </p:attrNameLst>
+                                      </p:cBhvr>
+                                      <p:to>
+                                        <p:strVal val="hidden"/>
+                                      </p:to>
+                                    </p:set>
+                                  </p:childTnLst>
+                                </p:cTn>
+                              </p:par>
+                            </p:childTnLst>
+                          </p:cTn>
+                        </p:par>
+                      </p:childTnLst>
+                    </p:cTn>
+                  </p:par>
+                </p:childTnLst>
+              </p:cTn>
+              <p:prevCondLst>
+                <p:cond evt="onPrev" delay="0">
+                  <p:tgtEl>
+                    <p:sldTgt/>
+                  </p:tgtEl>
+                </p:cond>
+              </p:prevCondLst>
+              <p:nextCondLst>
+                <p:cond evt="onNext" delay="0">
+                  <p:tgtEl>
+                    <p:sldTgt/>
+                  </p:tgtEl>
+                </p:cond>
+              </p:nextCondLst>
+            </p:seq>
+          </p:childTnLst>
+        </p:cTn>
+      </p:par>
+    </p:tnLst>
+    <p:bldLst>
+      <p:bldP spid="7" grpId="0" animBg="1"/>
+      <p:bldP spid="7" grpId="1" animBg="1"/>
+      <p:bldP spid="2" grpId="0" animBg="1"/>
+      <p:bldP spid="2" grpId="1" animBg="1"/>
+      <p:bldP spid="11" grpId="0" animBg="1"/>
+      <p:bldP spid="11" grpId="1" animBg="1"/>
+      <p:bldP spid="11" grpId="2" animBg="1"/>
+      <p:bldP spid="9" grpId="0"/>
+      <p:bldP spid="9" grpId="1"/>
+      <p:bldP spid="27" grpId="0" animBg="1"/>
+      <p:bldP spid="27" grpId="1" animBg="1"/>
+      <p:bldP spid="27" grpId="2" animBg="1"/>
+      <p:bldP spid="28" grpId="0" animBg="1"/>
+      <p:bldP spid="28" grpId="1" animBg="1"/>
+      <p:bldP spid="28" grpId="2" animBg="1"/>
+    </p:bldLst>
+  </p:timing>
+</p:sld>
+</file>
+
+<file path=ppt/slides/slide5.xml><?xml version="1.0" encoding="utf-8"?>
+<p:sld xmlns:a="http://schemas.openxmlformats.org/drawingml/2006/main" xmlns:r="http://schemas.openxmlformats.org/officeDocument/2006/relationships" xmlns:p="http://schemas.openxmlformats.org/presentationml/2006/main">
+  <p:cSld>
+    <p:spTree>
+      <p:nvGrpSpPr>
+        <p:cNvPr id="1" name=""/>
+        <p:cNvGrpSpPr/>
+        <p:nvPr/>
+      </p:nvGrpSpPr>
+      <p:grpSpPr>
+        <a:xfrm>
+          <a:off x="0" y="0"/>
+          <a:ext cx="0" cy="0"/>
+          <a:chOff x="0" y="0"/>
+          <a:chExt cx="0" cy="0"/>
+        </a:xfrm>
+      </p:grpSpPr>
+      <p:sp>
+        <p:nvSpPr>
+          <p:cNvPr id="8" name="椭圆 7">
+            <a:extLst>
+              <a:ext uri="{FF2B5EF4-FFF2-40B4-BE49-F238E27FC236}">
+                <a16:creationId xmlns:a16="http://schemas.microsoft.com/office/drawing/2014/main" id="{426A5D43-81B6-4260-9574-50F71A6067F5}"/>
+              </a:ext>
+            </a:extLst>
+          </p:cNvPr>
+          <p:cNvSpPr/>
+          <p:nvPr/>
+        </p:nvSpPr>
+        <p:spPr>
+          <a:xfrm>
+            <a:off x="9002817" y="1948898"/>
+            <a:ext cx="1595717" cy="1595717"/>
+          </a:xfrm>
+          <a:prstGeom prst="ellipse">
+            <a:avLst/>
+          </a:prstGeom>
+          <a:noFill/>
+        </p:spPr>
+        <p:style>
+          <a:lnRef idx="2">
+            <a:schemeClr val="accent1">
+              <a:shade val="50000"/>
+            </a:schemeClr>
+          </a:lnRef>
+          <a:fillRef idx="1">
+            <a:schemeClr val="accent1"/>
+          </a:fillRef>
+          <a:effectRef idx="0">
+            <a:schemeClr val="accent1"/>
+          </a:effectRef>
+          <a:fontRef idx="minor">
+            <a:schemeClr val="lt1"/>
+          </a:fontRef>
+        </p:style>
+        <p:txBody>
+          <a:bodyPr rtlCol="0" anchor="ctr"/>
+          <a:lstStyle/>
+          <a:p>
+            <a:pPr algn="ctr"/>
+            <a:endParaRPr lang="zh-CN" altLang="en-US"/>
+          </a:p>
+        </p:txBody>
+      </p:sp>
+      <p:sp>
+        <p:nvSpPr>
+          <p:cNvPr id="7" name="椭圆 6">
+            <a:extLst>
+              <a:ext uri="{FF2B5EF4-FFF2-40B4-BE49-F238E27FC236}">
+                <a16:creationId xmlns:a16="http://schemas.microsoft.com/office/drawing/2014/main" id="{E555EF71-64A7-4CDC-8609-4D4CE1B2B00D}"/>
+              </a:ext>
+            </a:extLst>
+          </p:cNvPr>
+          <p:cNvSpPr/>
+          <p:nvPr/>
+        </p:nvSpPr>
+        <p:spPr>
+          <a:xfrm>
+            <a:off x="3406742" y="2574116"/>
+            <a:ext cx="354106" cy="354106"/>
+          </a:xfrm>
+          <a:prstGeom prst="ellipse">
+            <a:avLst/>
+          </a:prstGeom>
+          <a:solidFill>
+            <a:srgbClr val="FFFF00"/>
+          </a:solidFill>
+        </p:spPr>
+        <p:style>
+          <a:lnRef idx="2">
+            <a:schemeClr val="accent1">
+              <a:shade val="50000"/>
+            </a:schemeClr>
+          </a:lnRef>
+          <a:fillRef idx="1">
+            <a:schemeClr val="accent1"/>
+          </a:fillRef>
+          <a:effectRef idx="0">
+            <a:schemeClr val="accent1"/>
+          </a:effectRef>
+          <a:fontRef idx="minor">
+            <a:schemeClr val="lt1"/>
+          </a:fontRef>
+        </p:style>
+        <p:txBody>
+          <a:bodyPr rtlCol="0" anchor="ctr"/>
+          <a:lstStyle/>
+          <a:p>
+            <a:pPr algn="ctr"/>
+            <a:endParaRPr lang="zh-CN" altLang="en-US"/>
+          </a:p>
+        </p:txBody>
+      </p:sp>
+      <p:sp>
+        <p:nvSpPr>
+          <p:cNvPr id="15" name="椭圆 14">
+            <a:extLst>
+              <a:ext uri="{FF2B5EF4-FFF2-40B4-BE49-F238E27FC236}">
+                <a16:creationId xmlns:a16="http://schemas.microsoft.com/office/drawing/2014/main" id="{31D5FFCE-F1A5-4730-81AB-82DF1C2CA1D6}"/>
+              </a:ext>
+            </a:extLst>
+          </p:cNvPr>
+          <p:cNvSpPr/>
+          <p:nvPr/>
+        </p:nvSpPr>
+        <p:spPr>
+          <a:xfrm>
+            <a:off x="3406742" y="2574116"/>
+            <a:ext cx="354106" cy="354106"/>
+          </a:xfrm>
+          <a:prstGeom prst="ellipse">
+            <a:avLst/>
+          </a:prstGeom>
+          <a:solidFill>
+            <a:srgbClr val="FFFF00"/>
+          </a:solidFill>
+        </p:spPr>
+        <p:style>
+          <a:lnRef idx="2">
+            <a:schemeClr val="accent1">
+              <a:shade val="50000"/>
+            </a:schemeClr>
+          </a:lnRef>
+          <a:fillRef idx="1">
+            <a:schemeClr val="accent1"/>
+          </a:fillRef>
+          <a:effectRef idx="0">
+            <a:schemeClr val="accent1"/>
+          </a:effectRef>
+          <a:fontRef idx="minor">
+            <a:schemeClr val="lt1"/>
+          </a:fontRef>
+        </p:style>
+        <p:txBody>
+          <a:bodyPr rtlCol="0" anchor="ctr"/>
+          <a:lstStyle/>
+          <a:p>
+            <a:pPr algn="ctr"/>
+            <a:endParaRPr lang="zh-CN" altLang="en-US"/>
+          </a:p>
+        </p:txBody>
+      </p:sp>
+      <p:sp>
+        <p:nvSpPr>
+          <p:cNvPr id="16" name="椭圆 15">
+            <a:extLst>
+              <a:ext uri="{FF2B5EF4-FFF2-40B4-BE49-F238E27FC236}">
+                <a16:creationId xmlns:a16="http://schemas.microsoft.com/office/drawing/2014/main" id="{41207F50-DA7A-41CF-BF6F-F29BD0862E7D}"/>
+              </a:ext>
+            </a:extLst>
+          </p:cNvPr>
+          <p:cNvSpPr/>
+          <p:nvPr/>
+        </p:nvSpPr>
+        <p:spPr>
+          <a:xfrm>
+            <a:off x="3406742" y="2574116"/>
+            <a:ext cx="354106" cy="354106"/>
+          </a:xfrm>
+          <a:prstGeom prst="ellipse">
+            <a:avLst/>
+          </a:prstGeom>
+          <a:solidFill>
+            <a:srgbClr val="FFFF00"/>
+          </a:solidFill>
+        </p:spPr>
+        <p:style>
+          <a:lnRef idx="2">
+            <a:schemeClr val="accent1">
+              <a:shade val="50000"/>
+            </a:schemeClr>
+          </a:lnRef>
+          <a:fillRef idx="1">
+            <a:schemeClr val="accent1"/>
+          </a:fillRef>
+          <a:effectRef idx="0">
+            <a:schemeClr val="accent1"/>
+          </a:effectRef>
+          <a:fontRef idx="minor">
+            <a:schemeClr val="lt1"/>
+          </a:fontRef>
+        </p:style>
+        <p:txBody>
+          <a:bodyPr rtlCol="0" anchor="ctr"/>
+          <a:lstStyle/>
+          <a:p>
+            <a:pPr algn="ctr"/>
+            <a:endParaRPr lang="zh-CN" altLang="en-US"/>
+          </a:p>
+        </p:txBody>
+      </p:sp>
+      <p:sp>
+        <p:nvSpPr>
+          <p:cNvPr id="5" name="椭圆 4">
+            <a:extLst>
+              <a:ext uri="{FF2B5EF4-FFF2-40B4-BE49-F238E27FC236}">
+                <a16:creationId xmlns:a16="http://schemas.microsoft.com/office/drawing/2014/main" id="{2CB4B296-B9A1-432B-9CAE-7B83CC6CB52D}"/>
+              </a:ext>
+            </a:extLst>
+          </p:cNvPr>
+          <p:cNvSpPr/>
+          <p:nvPr/>
+        </p:nvSpPr>
+        <p:spPr>
+          <a:xfrm>
+            <a:off x="2165131" y="1948898"/>
+            <a:ext cx="1595717" cy="1595717"/>
+          </a:xfrm>
+          <a:prstGeom prst="ellipse">
+            <a:avLst/>
+          </a:prstGeom>
+          <a:noFill/>
+        </p:spPr>
+        <p:style>
+          <a:lnRef idx="2">
+            <a:schemeClr val="accent1">
+              <a:shade val="50000"/>
+            </a:schemeClr>
+          </a:lnRef>
+          <a:fillRef idx="1">
+            <a:schemeClr val="accent1"/>
+          </a:fillRef>
+          <a:effectRef idx="0">
+            <a:schemeClr val="accent1"/>
+          </a:effectRef>
+          <a:fontRef idx="minor">
+            <a:schemeClr val="lt1"/>
+          </a:fontRef>
+        </p:style>
+        <p:txBody>
+          <a:bodyPr rtlCol="0" anchor="ctr"/>
+          <a:lstStyle/>
+          <a:p>
+            <a:pPr algn="ctr"/>
+            <a:endParaRPr lang="zh-CN" altLang="en-US"/>
+          </a:p>
+        </p:txBody>
+      </p:sp>
+      <p:sp>
+        <p:nvSpPr>
+          <p:cNvPr id="2" name="箭头: 右 1">
+            <a:extLst>
+              <a:ext uri="{FF2B5EF4-FFF2-40B4-BE49-F238E27FC236}">
+                <a16:creationId xmlns:a16="http://schemas.microsoft.com/office/drawing/2014/main" id="{EC19CDD4-BEB5-4E0D-846A-05CC8B430E1B}"/>
+              </a:ext>
+            </a:extLst>
+          </p:cNvPr>
+          <p:cNvSpPr/>
+          <p:nvPr/>
+        </p:nvSpPr>
+        <p:spPr>
+          <a:xfrm>
+            <a:off x="3767485" y="2609596"/>
+            <a:ext cx="457199" cy="274320"/>
+          </a:xfrm>
+          <a:prstGeom prst="rightArrow">
+            <a:avLst/>
+          </a:prstGeom>
+          <a:solidFill>
+            <a:srgbClr val="00B050"/>
+          </a:solidFill>
+          <a:ln>
+            <a:noFill/>
+          </a:ln>
+        </p:spPr>
+        <p:style>
+          <a:lnRef idx="2">
+            <a:schemeClr val="accent1">
+              <a:shade val="50000"/>
+            </a:schemeClr>
+          </a:lnRef>
+          <a:fillRef idx="1">
+            <a:schemeClr val="accent1"/>
+          </a:fillRef>
+          <a:effectRef idx="0">
+            <a:schemeClr val="accent1"/>
+          </a:effectRef>
+          <a:fontRef idx="minor">
+            <a:schemeClr val="lt1"/>
+          </a:fontRef>
+        </p:style>
+        <p:txBody>
+          <a:bodyPr rtlCol="0" anchor="ctr"/>
+          <a:lstStyle/>
+          <a:p>
+            <a:pPr algn="ctr"/>
+            <a:endParaRPr lang="zh-CN" altLang="en-US"/>
+          </a:p>
+        </p:txBody>
+      </p:sp>
+      <p:sp>
+        <p:nvSpPr>
+          <p:cNvPr id="11" name="箭头: 右 10">
+            <a:extLst>
+              <a:ext uri="{FF2B5EF4-FFF2-40B4-BE49-F238E27FC236}">
+                <a16:creationId xmlns:a16="http://schemas.microsoft.com/office/drawing/2014/main" id="{AD070766-31C3-49B9-ADA4-CE2CAC85CDC3}"/>
+              </a:ext>
+            </a:extLst>
+          </p:cNvPr>
+          <p:cNvSpPr/>
+          <p:nvPr/>
+        </p:nvSpPr>
+        <p:spPr>
+          <a:xfrm rot="10800000">
+            <a:off x="8544061" y="2609596"/>
+            <a:ext cx="457199" cy="274320"/>
+          </a:xfrm>
+          <a:prstGeom prst="rightArrow">
+            <a:avLst/>
+          </a:prstGeom>
+          <a:solidFill>
+            <a:srgbClr val="00B050"/>
+          </a:solidFill>
+          <a:ln>
+            <a:noFill/>
+          </a:ln>
+        </p:spPr>
+        <p:style>
+          <a:lnRef idx="2">
+            <a:schemeClr val="accent1">
+              <a:shade val="50000"/>
+            </a:schemeClr>
+          </a:lnRef>
+          <a:fillRef idx="1">
+            <a:schemeClr val="accent1"/>
+          </a:fillRef>
+          <a:effectRef idx="0">
+            <a:schemeClr val="accent1"/>
+          </a:effectRef>
+          <a:fontRef idx="minor">
+            <a:schemeClr val="lt1"/>
+          </a:fontRef>
+        </p:style>
+        <p:txBody>
+          <a:bodyPr rtlCol="0" anchor="ctr"/>
+          <a:lstStyle/>
+          <a:p>
+            <a:pPr algn="ctr"/>
+            <a:endParaRPr lang="zh-CN" altLang="en-US"/>
+          </a:p>
+        </p:txBody>
+      </p:sp>
+      <p:sp>
+        <p:nvSpPr>
+          <p:cNvPr id="9" name="文本框 8">
+            <a:extLst>
+              <a:ext uri="{FF2B5EF4-FFF2-40B4-BE49-F238E27FC236}">
+                <a16:creationId xmlns:a16="http://schemas.microsoft.com/office/drawing/2014/main" id="{277C7C7B-98ED-4F83-9D09-87A369FFF2BE}"/>
+              </a:ext>
+            </a:extLst>
+          </p:cNvPr>
+          <p:cNvSpPr txBox="1"/>
+          <p:nvPr/>
+        </p:nvSpPr>
+        <p:spPr>
+          <a:xfrm>
+            <a:off x="5235376" y="3359949"/>
+            <a:ext cx="1834156" cy="369332"/>
+          </a:xfrm>
+          <a:prstGeom prst="rect">
+            <a:avLst/>
+          </a:prstGeom>
+          <a:noFill/>
+        </p:spPr>
+        <p:txBody>
+          <a:bodyPr wrap="none" rtlCol="0">
+            <a:spAutoFit/>
+          </a:bodyPr>
+          <a:lstStyle/>
+          <a:p>
+            <a:r>
+              <a:rPr lang="zh-CN" altLang="en-US"/>
+              <a:t>握手时延：</a:t>
+            </a:r>
+            <a:r>
+              <a:rPr lang="en-US" altLang="zh-CN"/>
+              <a:t>2RTT</a:t>
+            </a:r>
+            <a:endParaRPr lang="zh-CN" altLang="en-US"/>
+          </a:p>
+        </p:txBody>
+      </p:sp>
+      <p:grpSp>
+        <p:nvGrpSpPr>
+          <p:cNvPr id="17" name="组合 16">
+            <a:extLst>
+              <a:ext uri="{FF2B5EF4-FFF2-40B4-BE49-F238E27FC236}">
+                <a16:creationId xmlns:a16="http://schemas.microsoft.com/office/drawing/2014/main" id="{170424F3-9DD2-4410-AF5E-154848E40A09}"/>
+              </a:ext>
+            </a:extLst>
+          </p:cNvPr>
+          <p:cNvGrpSpPr/>
+          <p:nvPr/>
+        </p:nvGrpSpPr>
+        <p:grpSpPr>
+          <a:xfrm>
+            <a:off x="3375406" y="1279144"/>
+            <a:ext cx="1656223" cy="3881977"/>
+            <a:chOff x="1515075" y="396275"/>
+            <a:chExt cx="1656223" cy="3881977"/>
+          </a:xfrm>
+        </p:grpSpPr>
+        <p:cxnSp>
+          <p:nvCxnSpPr>
+            <p:cNvPr id="18" name="直接连接符 17">
+              <a:extLst>
+                <a:ext uri="{FF2B5EF4-FFF2-40B4-BE49-F238E27FC236}">
+                  <a16:creationId xmlns:a16="http://schemas.microsoft.com/office/drawing/2014/main" id="{D2E88DC7-9E57-4EBC-B54C-9951F13009E4}"/>
+                </a:ext>
+              </a:extLst>
+            </p:cNvPr>
+            <p:cNvCxnSpPr/>
+            <p:nvPr/>
+          </p:nvCxnSpPr>
+          <p:spPr>
+            <a:xfrm>
+              <a:off x="2247989" y="396275"/>
+              <a:ext cx="0" cy="2935224"/>
+            </a:xfrm>
+            <a:prstGeom prst="line">
+              <a:avLst/>
+            </a:prstGeom>
+            <a:ln w="38100">
+              <a:solidFill>
+                <a:srgbClr val="FF0000"/>
+              </a:solidFill>
+              <a:prstDash val="dash"/>
+            </a:ln>
+          </p:spPr>
+          <p:style>
+            <a:lnRef idx="1">
+              <a:schemeClr val="accent1"/>
+            </a:lnRef>
+            <a:fillRef idx="0">
+              <a:schemeClr val="accent1"/>
+            </a:fillRef>
+            <a:effectRef idx="0">
+              <a:schemeClr val="accent1"/>
+            </a:effectRef>
+            <a:fontRef idx="minor">
+              <a:schemeClr val="tx1"/>
+            </a:fontRef>
+          </p:style>
+        </p:cxnSp>
+        <p:cxnSp>
+          <p:nvCxnSpPr>
+            <p:cNvPr id="19" name="直接连接符 18">
+              <a:extLst>
+                <a:ext uri="{FF2B5EF4-FFF2-40B4-BE49-F238E27FC236}">
+                  <a16:creationId xmlns:a16="http://schemas.microsoft.com/office/drawing/2014/main" id="{8E014AFC-5F5F-4BF0-B0FA-4F14DD947732}"/>
+                </a:ext>
+              </a:extLst>
+            </p:cNvPr>
+            <p:cNvCxnSpPr/>
+            <p:nvPr/>
+          </p:nvCxnSpPr>
+          <p:spPr>
+            <a:xfrm>
+              <a:off x="1900517" y="396275"/>
+              <a:ext cx="0" cy="2935224"/>
+            </a:xfrm>
+            <a:prstGeom prst="line">
+              <a:avLst/>
+            </a:prstGeom>
+            <a:ln w="38100">
+              <a:solidFill>
+                <a:srgbClr val="FF0000"/>
+              </a:solidFill>
+              <a:prstDash val="dash"/>
+            </a:ln>
+          </p:spPr>
+          <p:style>
+            <a:lnRef idx="1">
+              <a:schemeClr val="accent1"/>
+            </a:lnRef>
+            <a:fillRef idx="0">
+              <a:schemeClr val="accent1"/>
+            </a:fillRef>
+            <a:effectRef idx="0">
+              <a:schemeClr val="accent1"/>
+            </a:effectRef>
+            <a:fontRef idx="minor">
+              <a:schemeClr val="tx1"/>
+            </a:fontRef>
+          </p:style>
+        </p:cxnSp>
+        <p:sp>
+          <p:nvSpPr>
+            <p:cNvPr id="20" name="右大括号 19">
+              <a:extLst>
+                <a:ext uri="{FF2B5EF4-FFF2-40B4-BE49-F238E27FC236}">
+                  <a16:creationId xmlns:a16="http://schemas.microsoft.com/office/drawing/2014/main" id="{44D75CF9-BE42-4B43-8AB3-6E8DA537DE46}"/>
+                </a:ext>
+              </a:extLst>
+            </p:cNvPr>
+            <p:cNvSpPr/>
+            <p:nvPr/>
+          </p:nvSpPr>
+          <p:spPr>
+            <a:xfrm rot="5400000">
+              <a:off x="1992645" y="3232738"/>
+              <a:ext cx="156556" cy="354086"/>
+            </a:xfrm>
+            <a:prstGeom prst="rightBrace">
+              <a:avLst>
+                <a:gd name="adj1" fmla="val 35951"/>
+                <a:gd name="adj2" fmla="val 49999"/>
+              </a:avLst>
+            </a:prstGeom>
+            <a:ln w="28575">
+              <a:solidFill>
+                <a:schemeClr val="tx1"/>
+              </a:solidFill>
+            </a:ln>
+          </p:spPr>
+          <p:style>
+            <a:lnRef idx="1">
+              <a:schemeClr val="accent1"/>
+            </a:lnRef>
+            <a:fillRef idx="0">
+              <a:schemeClr val="accent1"/>
+            </a:fillRef>
+            <a:effectRef idx="0">
+              <a:schemeClr val="accent1"/>
+            </a:effectRef>
+            <a:fontRef idx="minor">
+              <a:schemeClr val="tx1"/>
+            </a:fontRef>
+          </p:style>
+          <p:txBody>
+            <a:bodyPr rtlCol="0" anchor="ctr"/>
+            <a:lstStyle/>
+            <a:p>
+              <a:pPr algn="ctr"/>
+              <a:endParaRPr lang="zh-CN" altLang="en-US"/>
+            </a:p>
+          </p:txBody>
+        </p:sp>
+        <p:sp>
+          <p:nvSpPr>
+            <p:cNvPr id="21" name="文本框 20">
+              <a:extLst>
+                <a:ext uri="{FF2B5EF4-FFF2-40B4-BE49-F238E27FC236}">
+                  <a16:creationId xmlns:a16="http://schemas.microsoft.com/office/drawing/2014/main" id="{BAA3E346-CC2E-4E2E-BA8F-A21737D9B163}"/>
+                </a:ext>
+              </a:extLst>
+            </p:cNvPr>
+            <p:cNvSpPr txBox="1"/>
+            <p:nvPr/>
+          </p:nvSpPr>
+          <p:spPr>
+            <a:xfrm>
+              <a:off x="1515075" y="3631921"/>
+              <a:ext cx="1656223" cy="646331"/>
+            </a:xfrm>
+            <a:prstGeom prst="rect">
+              <a:avLst/>
+            </a:prstGeom>
+            <a:noFill/>
+          </p:spPr>
+          <p:txBody>
+            <a:bodyPr wrap="none" rtlCol="0">
+              <a:spAutoFit/>
+            </a:bodyPr>
+            <a:lstStyle/>
+            <a:p>
+              <a:r>
+                <a:rPr lang="zh-CN" altLang="en-US" b="1"/>
+                <a:t>发送时延</a:t>
+              </a:r>
+              <a:endParaRPr lang="en-US" altLang="zh-CN" b="1"/>
+            </a:p>
+            <a:p>
+              <a:r>
+                <a:rPr lang="zh-CN" altLang="en-US"/>
+                <a:t>分组大小</a:t>
+              </a:r>
+              <a:r>
+                <a:rPr lang="en-US" altLang="zh-CN"/>
+                <a:t>/</a:t>
+              </a:r>
+              <a:r>
+                <a:rPr lang="zh-CN" altLang="en-US"/>
+                <a:t>带宽</a:t>
+              </a:r>
+            </a:p>
+          </p:txBody>
+        </p:sp>
+      </p:grpSp>
+      <p:sp>
+        <p:nvSpPr>
+          <p:cNvPr id="27" name="箭头: 右 26">
+            <a:extLst>
+              <a:ext uri="{FF2B5EF4-FFF2-40B4-BE49-F238E27FC236}">
+                <a16:creationId xmlns:a16="http://schemas.microsoft.com/office/drawing/2014/main" id="{BAA4208E-7430-44FB-A52A-31481F4DD9D2}"/>
+              </a:ext>
+            </a:extLst>
+          </p:cNvPr>
+          <p:cNvSpPr/>
+          <p:nvPr/>
+        </p:nvSpPr>
+        <p:spPr>
+          <a:xfrm>
+            <a:off x="3760848" y="2609596"/>
+            <a:ext cx="457199" cy="274320"/>
+          </a:xfrm>
+          <a:prstGeom prst="rightArrow">
+            <a:avLst/>
+          </a:prstGeom>
+          <a:solidFill>
+            <a:srgbClr val="00B050"/>
+          </a:solidFill>
+          <a:ln>
+            <a:noFill/>
+          </a:ln>
+        </p:spPr>
+        <p:style>
+          <a:lnRef idx="2">
+            <a:schemeClr val="accent1">
+              <a:shade val="50000"/>
+            </a:schemeClr>
+          </a:lnRef>
+          <a:fillRef idx="1">
+            <a:schemeClr val="accent1"/>
+          </a:fillRef>
+          <a:effectRef idx="0">
+            <a:schemeClr val="accent1"/>
+          </a:effectRef>
+          <a:fontRef idx="minor">
+            <a:schemeClr val="lt1"/>
+          </a:fontRef>
+        </p:style>
+        <p:txBody>
+          <a:bodyPr rtlCol="0" anchor="ctr"/>
+          <a:lstStyle/>
+          <a:p>
+            <a:pPr algn="ctr"/>
+            <a:endParaRPr lang="zh-CN" altLang="en-US"/>
+          </a:p>
+        </p:txBody>
+      </p:sp>
+      <p:sp>
+        <p:nvSpPr>
+          <p:cNvPr id="28" name="箭头: 右 27">
+            <a:extLst>
+              <a:ext uri="{FF2B5EF4-FFF2-40B4-BE49-F238E27FC236}">
+                <a16:creationId xmlns:a16="http://schemas.microsoft.com/office/drawing/2014/main" id="{48AAA438-9208-4C7B-A192-0CBA2D8FBE72}"/>
+              </a:ext>
+            </a:extLst>
+          </p:cNvPr>
+          <p:cNvSpPr/>
+          <p:nvPr/>
+        </p:nvSpPr>
+        <p:spPr>
+          <a:xfrm rot="10800000">
+            <a:off x="8537424" y="2609596"/>
+            <a:ext cx="457199" cy="274320"/>
+          </a:xfrm>
+          <a:prstGeom prst="rightArrow">
+            <a:avLst/>
+          </a:prstGeom>
+          <a:solidFill>
+            <a:srgbClr val="00B050"/>
+          </a:solidFill>
+          <a:ln>
+            <a:noFill/>
+          </a:ln>
+        </p:spPr>
+        <p:style>
+          <a:lnRef idx="2">
+            <a:schemeClr val="accent1">
+              <a:shade val="50000"/>
+            </a:schemeClr>
+          </a:lnRef>
+          <a:fillRef idx="1">
+            <a:schemeClr val="accent1"/>
+          </a:fillRef>
+          <a:effectRef idx="0">
+            <a:schemeClr val="accent1"/>
+          </a:effectRef>
+          <a:fontRef idx="minor">
+            <a:schemeClr val="lt1"/>
+          </a:fontRef>
+        </p:style>
+        <p:txBody>
+          <a:bodyPr rtlCol="0" anchor="ctr"/>
+          <a:lstStyle/>
+          <a:p>
+            <a:pPr algn="ctr"/>
+            <a:endParaRPr lang="zh-CN" altLang="en-US"/>
+          </a:p>
+        </p:txBody>
+      </p:sp>
+      <p:sp>
+        <p:nvSpPr>
+          <p:cNvPr id="30" name="椭圆 29">
+            <a:extLst>
+              <a:ext uri="{FF2B5EF4-FFF2-40B4-BE49-F238E27FC236}">
+                <a16:creationId xmlns:a16="http://schemas.microsoft.com/office/drawing/2014/main" id="{EB7FDAC3-50F9-4328-83D6-D045804E5AA9}"/>
+              </a:ext>
+            </a:extLst>
+          </p:cNvPr>
+          <p:cNvSpPr/>
+          <p:nvPr/>
+        </p:nvSpPr>
+        <p:spPr>
+          <a:xfrm>
+            <a:off x="3406731" y="2576213"/>
+            <a:ext cx="354106" cy="354106"/>
+          </a:xfrm>
+          <a:prstGeom prst="ellipse">
+            <a:avLst/>
+          </a:prstGeom>
+          <a:solidFill>
+            <a:srgbClr val="FFFF00"/>
+          </a:solidFill>
+        </p:spPr>
+        <p:style>
+          <a:lnRef idx="2">
+            <a:schemeClr val="accent1">
+              <a:shade val="50000"/>
+            </a:schemeClr>
+          </a:lnRef>
+          <a:fillRef idx="1">
+            <a:schemeClr val="accent1"/>
+          </a:fillRef>
+          <a:effectRef idx="0">
+            <a:schemeClr val="accent1"/>
+          </a:effectRef>
+          <a:fontRef idx="minor">
+            <a:schemeClr val="lt1"/>
+          </a:fontRef>
+        </p:style>
+        <p:txBody>
+          <a:bodyPr rtlCol="0" anchor="ctr"/>
+          <a:lstStyle/>
+          <a:p>
+            <a:pPr algn="ctr"/>
+            <a:endParaRPr lang="zh-CN" altLang="en-US"/>
+          </a:p>
+        </p:txBody>
+      </p:sp>
+      <p:sp>
+        <p:nvSpPr>
+          <p:cNvPr id="31" name="文本框 30">
+            <a:extLst>
+              <a:ext uri="{FF2B5EF4-FFF2-40B4-BE49-F238E27FC236}">
+                <a16:creationId xmlns:a16="http://schemas.microsoft.com/office/drawing/2014/main" id="{96814CEA-AE2B-4C0A-8361-C5FA8C29C12E}"/>
+              </a:ext>
+            </a:extLst>
+          </p:cNvPr>
+          <p:cNvSpPr txBox="1"/>
+          <p:nvPr/>
+        </p:nvSpPr>
+        <p:spPr>
+          <a:xfrm>
+            <a:off x="5106837" y="621503"/>
+            <a:ext cx="6861174" cy="523220"/>
+          </a:xfrm>
+          <a:prstGeom prst="rect">
+            <a:avLst/>
+          </a:prstGeom>
+          <a:noFill/>
+        </p:spPr>
+        <p:txBody>
+          <a:bodyPr wrap="none" rtlCol="0">
+            <a:spAutoFit/>
+          </a:bodyPr>
+          <a:lstStyle/>
+          <a:p>
+            <a:r>
+              <a:rPr lang="zh-CN" altLang="en-US"/>
+              <a:t>一个传播时延后，剩余的分组以 </a:t>
+            </a:r>
+            <a:r>
+              <a:rPr lang="zh-CN" altLang="en-US" sz="2800" b="1">
+                <a:solidFill>
+                  <a:srgbClr val="00B050"/>
+                </a:solidFill>
+              </a:rPr>
+              <a:t>发送时延 </a:t>
+            </a:r>
+            <a:r>
+              <a:rPr lang="zh-CN" altLang="en-US"/>
+              <a:t>为间隔，相继到达</a:t>
+            </a:r>
+          </a:p>
+        </p:txBody>
+      </p:sp>
+    </p:spTree>
+    <p:extLst>
+      <p:ext uri="{BB962C8B-B14F-4D97-AF65-F5344CB8AC3E}">
+        <p14:creationId xmlns:p14="http://schemas.microsoft.com/office/powerpoint/2010/main" val="2707966187"/>
+      </p:ext>
+    </p:extLst>
+  </p:cSld>
+  <p:clrMapOvr>
+    <a:masterClrMapping/>
+  </p:clrMapOvr>
+  <p:timing>
+    <p:tnLst>
+      <p:par>
+        <p:cTn id="1" dur="indefinite" restart="never" nodeType="tmRoot">
+          <p:childTnLst>
+            <p:seq concurrent="1" nextAc="seek">
+              <p:cTn id="2" dur="indefinite" nodeType="mainSeq">
+                <p:childTnLst>
+                  <p:par>
+                    <p:cTn id="3" fill="hold">
+                      <p:stCondLst>
+                        <p:cond delay="indefinite"/>
+                      </p:stCondLst>
+                      <p:childTnLst>
+                        <p:par>
+                          <p:cTn id="4" fill="hold">
+                            <p:stCondLst>
+                              <p:cond delay="0"/>
+                            </p:stCondLst>
+                            <p:childTnLst>
+                              <p:par>
+                                <p:cTn id="5" presetID="42" presetClass="path" presetSubtype="0" accel="50000" decel="50000" fill="hold" grpId="0" nodeType="clickEffect">
+                                  <p:stCondLst>
+                                    <p:cond delay="0"/>
+                                  </p:stCondLst>
+                                  <p:childTnLst>
+                                    <p:animMotion origin="layout" path="M -4.375E-6 -2.96296E-6 L 0.39232 0.00278 " pathEditMode="relative" rAng="0" ptsTypes="AA">
+                                      <p:cBhvr>
+                                        <p:cTn id="6" dur="1500" fill="hold"/>
+                                        <p:tgtEl>
+                                          <p:spTgt spid="2"/>
+                                        </p:tgtEl>
+                                        <p:attrNameLst>
+                                          <p:attrName>ppt_x</p:attrName>
+                                          <p:attrName>ppt_y</p:attrName>
+                                        </p:attrNameLst>
+                                      </p:cBhvr>
+                                      <p:rCtr x="19609" y="139"/>
+                                    </p:animMotion>
+                                  </p:childTnLst>
+                                </p:cTn>
+                              </p:par>
+                            </p:childTnLst>
+                          </p:cTn>
+                        </p:par>
+                        <p:par>
+                          <p:cTn id="7" fill="hold">
+                            <p:stCondLst>
+                              <p:cond delay="1500"/>
+                            </p:stCondLst>
+                            <p:childTnLst>
+                              <p:par>
+                                <p:cTn id="8" presetID="1" presetClass="exit" presetSubtype="0" fill="hold" grpId="1" nodeType="afterEffect">
+                                  <p:stCondLst>
+                                    <p:cond delay="0"/>
+                                  </p:stCondLst>
+                                  <p:childTnLst>
+                                    <p:set>
+                                      <p:cBhvr>
+                                        <p:cTn id="9" dur="1" fill="hold">
+                                          <p:stCondLst>
+                                            <p:cond delay="0"/>
+                                          </p:stCondLst>
+                                        </p:cTn>
+                                        <p:tgtEl>
+                                          <p:spTgt spid="2"/>
+                                        </p:tgtEl>
+                                        <p:attrNameLst>
+                                          <p:attrName>style.visibility</p:attrName>
+                                        </p:attrNameLst>
+                                      </p:cBhvr>
+                                      <p:to>
+                                        <p:strVal val="hidden"/>
+                                      </p:to>
+                                    </p:set>
+                                  </p:childTnLst>
+                                </p:cTn>
+                              </p:par>
+                              <p:par>
+                                <p:cTn id="10" presetID="1" presetClass="entr" presetSubtype="0" fill="hold" grpId="1" nodeType="withEffect">
+                                  <p:stCondLst>
+                                    <p:cond delay="0"/>
+                                  </p:stCondLst>
+                                  <p:childTnLst>
+                                    <p:set>
+                                      <p:cBhvr>
+                                        <p:cTn id="11" dur="1" fill="hold">
+                                          <p:stCondLst>
+                                            <p:cond delay="0"/>
+                                          </p:stCondLst>
+                                        </p:cTn>
+                                        <p:tgtEl>
+                                          <p:spTgt spid="11"/>
+                                        </p:tgtEl>
+                                        <p:attrNameLst>
+                                          <p:attrName>style.visibility</p:attrName>
+                                        </p:attrNameLst>
+                                      </p:cBhvr>
+                                      <p:to>
+                                        <p:strVal val="visible"/>
+                                      </p:to>
+                                    </p:set>
+                                  </p:childTnLst>
+                                </p:cTn>
+                              </p:par>
+                            </p:childTnLst>
+                          </p:cTn>
+                        </p:par>
+                        <p:par>
+                          <p:cTn id="12" fill="hold">
+                            <p:stCondLst>
+                              <p:cond delay="1500"/>
+                            </p:stCondLst>
+                            <p:childTnLst>
+                              <p:par>
+                                <p:cTn id="13" presetID="42" presetClass="path" presetSubtype="0" accel="50000" decel="50000" fill="hold" grpId="0" nodeType="afterEffect">
+                                  <p:stCondLst>
+                                    <p:cond delay="0"/>
+                                  </p:stCondLst>
+                                  <p:childTnLst>
+                                    <p:animMotion origin="layout" path="M -1.25E-6 -2.96296E-6 L -0.39622 0.00023 " pathEditMode="relative" rAng="0" ptsTypes="AA">
+                                      <p:cBhvr>
+                                        <p:cTn id="14" dur="1500" fill="hold"/>
+                                        <p:tgtEl>
+                                          <p:spTgt spid="11"/>
+                                        </p:tgtEl>
+                                        <p:attrNameLst>
+                                          <p:attrName>ppt_x</p:attrName>
+                                          <p:attrName>ppt_y</p:attrName>
+                                        </p:attrNameLst>
+                                      </p:cBhvr>
+                                      <p:rCtr x="-19818" y="0"/>
+                                    </p:animMotion>
+                                  </p:childTnLst>
+                                </p:cTn>
+                              </p:par>
+                            </p:childTnLst>
+                          </p:cTn>
+                        </p:par>
+                        <p:par>
+                          <p:cTn id="15" fill="hold">
+                            <p:stCondLst>
+                              <p:cond delay="3000"/>
+                            </p:stCondLst>
+                            <p:childTnLst>
+                              <p:par>
+                                <p:cTn id="16" presetID="1" presetClass="exit" presetSubtype="0" fill="hold" grpId="2" nodeType="afterEffect">
+                                  <p:stCondLst>
+                                    <p:cond delay="0"/>
+                                  </p:stCondLst>
+                                  <p:childTnLst>
+                                    <p:set>
+                                      <p:cBhvr>
+                                        <p:cTn id="17" dur="1" fill="hold">
+                                          <p:stCondLst>
+                                            <p:cond delay="0"/>
+                                          </p:stCondLst>
+                                        </p:cTn>
+                                        <p:tgtEl>
+                                          <p:spTgt spid="11"/>
+                                        </p:tgtEl>
+                                        <p:attrNameLst>
+                                          <p:attrName>style.visibility</p:attrName>
+                                        </p:attrNameLst>
+                                      </p:cBhvr>
+                                      <p:to>
+                                        <p:strVal val="hidden"/>
+                                      </p:to>
+                                    </p:set>
+                                  </p:childTnLst>
+                                </p:cTn>
+                              </p:par>
+                            </p:childTnLst>
+                          </p:cTn>
+                        </p:par>
+                        <p:par>
+                          <p:cTn id="18" fill="hold">
+                            <p:stCondLst>
+                              <p:cond delay="3000"/>
+                            </p:stCondLst>
+                            <p:childTnLst>
+                              <p:par>
+                                <p:cTn id="19" presetID="1" presetClass="entr" presetSubtype="0" fill="hold" grpId="2" nodeType="afterEffect">
+                                  <p:stCondLst>
+                                    <p:cond delay="0"/>
+                                  </p:stCondLst>
+                                  <p:childTnLst>
+                                    <p:set>
+                                      <p:cBhvr>
+                                        <p:cTn id="20" dur="1" fill="hold">
+                                          <p:stCondLst>
+                                            <p:cond delay="0"/>
+                                          </p:stCondLst>
+                                        </p:cTn>
+                                        <p:tgtEl>
+                                          <p:spTgt spid="27"/>
+                                        </p:tgtEl>
+                                        <p:attrNameLst>
+                                          <p:attrName>style.visibility</p:attrName>
+                                        </p:attrNameLst>
+                                      </p:cBhvr>
+                                      <p:to>
+                                        <p:strVal val="visible"/>
+                                      </p:to>
+                                    </p:set>
+                                  </p:childTnLst>
+                                </p:cTn>
+                              </p:par>
+                            </p:childTnLst>
+                          </p:cTn>
+                        </p:par>
+                        <p:par>
+                          <p:cTn id="21" fill="hold">
+                            <p:stCondLst>
+                              <p:cond delay="3000"/>
+                            </p:stCondLst>
+                            <p:childTnLst>
+                              <p:par>
+                                <p:cTn id="22" presetID="42" presetClass="path" presetSubtype="0" accel="50000" decel="50000" fill="hold" grpId="0" nodeType="afterEffect">
+                                  <p:stCondLst>
+                                    <p:cond delay="0"/>
+                                  </p:stCondLst>
+                                  <p:childTnLst>
+                                    <p:animMotion origin="layout" path="M -3.54167E-6 -2.96296E-6 L 0.39232 0.00278 " pathEditMode="relative" rAng="0" ptsTypes="AA">
+                                      <p:cBhvr>
+                                        <p:cTn id="23" dur="1500" fill="hold"/>
+                                        <p:tgtEl>
+                                          <p:spTgt spid="27"/>
+                                        </p:tgtEl>
+                                        <p:attrNameLst>
+                                          <p:attrName>ppt_x</p:attrName>
+                                          <p:attrName>ppt_y</p:attrName>
+                                        </p:attrNameLst>
+                                      </p:cBhvr>
+                                      <p:rCtr x="19609" y="139"/>
+                                    </p:animMotion>
+                                  </p:childTnLst>
+                                </p:cTn>
+                              </p:par>
+                            </p:childTnLst>
+                          </p:cTn>
+                        </p:par>
+                        <p:par>
+                          <p:cTn id="24" fill="hold">
+                            <p:stCondLst>
+                              <p:cond delay="4500"/>
+                            </p:stCondLst>
+                            <p:childTnLst>
+                              <p:par>
+                                <p:cTn id="25" presetID="1" presetClass="exit" presetSubtype="0" fill="hold" grpId="1" nodeType="afterEffect">
+                                  <p:stCondLst>
+                                    <p:cond delay="0"/>
+                                  </p:stCondLst>
+                                  <p:childTnLst>
+                                    <p:set>
+                                      <p:cBhvr>
+                                        <p:cTn id="26" dur="1" fill="hold">
+                                          <p:stCondLst>
+                                            <p:cond delay="0"/>
+                                          </p:stCondLst>
+                                        </p:cTn>
+                                        <p:tgtEl>
+                                          <p:spTgt spid="27"/>
+                                        </p:tgtEl>
+                                        <p:attrNameLst>
+                                          <p:attrName>style.visibility</p:attrName>
+                                        </p:attrNameLst>
+                                      </p:cBhvr>
+                                      <p:to>
+                                        <p:strVal val="hidden"/>
+                                      </p:to>
+                                    </p:set>
+                                  </p:childTnLst>
+                                </p:cTn>
+                              </p:par>
+                              <p:par>
+                                <p:cTn id="27" presetID="1" presetClass="entr" presetSubtype="0" fill="hold" grpId="1" nodeType="withEffect">
+                                  <p:stCondLst>
+                                    <p:cond delay="0"/>
+                                  </p:stCondLst>
+                                  <p:childTnLst>
+                                    <p:set>
+                                      <p:cBhvr>
+                                        <p:cTn id="28" dur="1" fill="hold">
+                                          <p:stCondLst>
+                                            <p:cond delay="0"/>
+                                          </p:stCondLst>
+                                        </p:cTn>
+                                        <p:tgtEl>
+                                          <p:spTgt spid="28"/>
+                                        </p:tgtEl>
+                                        <p:attrNameLst>
+                                          <p:attrName>style.visibility</p:attrName>
+                                        </p:attrNameLst>
+                                      </p:cBhvr>
+                                      <p:to>
+                                        <p:strVal val="visible"/>
+                                      </p:to>
+                                    </p:set>
+                                  </p:childTnLst>
+                                </p:cTn>
+                              </p:par>
+                            </p:childTnLst>
+                          </p:cTn>
+                        </p:par>
+                        <p:par>
+                          <p:cTn id="29" fill="hold">
+                            <p:stCondLst>
+                              <p:cond delay="4500"/>
+                            </p:stCondLst>
+                            <p:childTnLst>
+                              <p:par>
+                                <p:cTn id="30" presetID="42" presetClass="path" presetSubtype="0" accel="50000" decel="50000" fill="hold" grpId="0" nodeType="afterEffect">
+                                  <p:stCondLst>
+                                    <p:cond delay="0"/>
+                                  </p:stCondLst>
+                                  <p:childTnLst>
+                                    <p:animMotion origin="layout" path="M -4.16667E-7 -2.96296E-6 L -0.39622 0.00023 " pathEditMode="relative" rAng="0" ptsTypes="AA">
+                                      <p:cBhvr>
+                                        <p:cTn id="31" dur="1500" fill="hold"/>
+                                        <p:tgtEl>
+                                          <p:spTgt spid="28"/>
+                                        </p:tgtEl>
+                                        <p:attrNameLst>
+                                          <p:attrName>ppt_x</p:attrName>
+                                          <p:attrName>ppt_y</p:attrName>
+                                        </p:attrNameLst>
+                                      </p:cBhvr>
+                                      <p:rCtr x="-19818" y="0"/>
+                                    </p:animMotion>
+                                  </p:childTnLst>
+                                </p:cTn>
+                              </p:par>
+                            </p:childTnLst>
+                          </p:cTn>
+                        </p:par>
+                        <p:par>
+                          <p:cTn id="32" fill="hold">
+                            <p:stCondLst>
+                              <p:cond delay="6000"/>
+                            </p:stCondLst>
+                            <p:childTnLst>
+                              <p:par>
+                                <p:cTn id="33" presetID="1" presetClass="exit" presetSubtype="0" fill="hold" grpId="2" nodeType="afterEffect">
+                                  <p:stCondLst>
+                                    <p:cond delay="0"/>
+                                  </p:stCondLst>
+                                  <p:childTnLst>
+                                    <p:set>
+                                      <p:cBhvr>
+                                        <p:cTn id="34" dur="1" fill="hold">
+                                          <p:stCondLst>
+                                            <p:cond delay="0"/>
+                                          </p:stCondLst>
+                                        </p:cTn>
+                                        <p:tgtEl>
+                                          <p:spTgt spid="28"/>
+                                        </p:tgtEl>
+                                        <p:attrNameLst>
+                                          <p:attrName>style.visibility</p:attrName>
+                                        </p:attrNameLst>
+                                      </p:cBhvr>
+                                      <p:to>
+                                        <p:strVal val="hidden"/>
+                                      </p:to>
+                                    </p:set>
+                                  </p:childTnLst>
+                                </p:cTn>
+                              </p:par>
+                            </p:childTnLst>
+                          </p:cTn>
+                        </p:par>
+                        <p:par>
+                          <p:cTn id="35" fill="hold">
+                            <p:stCondLst>
+                              <p:cond delay="6000"/>
+                            </p:stCondLst>
+                            <p:childTnLst>
+                              <p:par>
+                                <p:cTn id="36" presetID="1" presetClass="entr" presetSubtype="0" fill="hold" grpId="0" nodeType="afterEffect">
+                                  <p:stCondLst>
+                                    <p:cond delay="0"/>
+                                  </p:stCondLst>
+                                  <p:childTnLst>
+                                    <p:set>
+                                      <p:cBhvr>
+                                        <p:cTn id="37" dur="1" fill="hold">
+                                          <p:stCondLst>
+                                            <p:cond delay="9"/>
+                                          </p:stCondLst>
+                                        </p:cTn>
+                                        <p:tgtEl>
+                                          <p:spTgt spid="9"/>
+                                        </p:tgtEl>
+                                        <p:attrNameLst>
+                                          <p:attrName>style.visibility</p:attrName>
+                                        </p:attrNameLst>
+                                      </p:cBhvr>
+                                      <p:to>
+                                        <p:strVal val="visible"/>
+                                      </p:to>
+                                    </p:set>
+                                  </p:childTnLst>
+                                </p:cTn>
+                              </p:par>
+                            </p:childTnLst>
+                          </p:cTn>
+                        </p:par>
+                        <p:par>
+                          <p:cTn id="38" fill="hold">
+                            <p:stCondLst>
+                              <p:cond delay="6010"/>
+                            </p:stCondLst>
+                            <p:childTnLst>
+                              <p:par>
+                                <p:cTn id="39" presetID="1" presetClass="exit" presetSubtype="0" fill="hold" grpId="1" nodeType="afterEffect">
+                                  <p:stCondLst>
+                                    <p:cond delay="0"/>
+                                  </p:stCondLst>
+                                  <p:childTnLst>
+                                    <p:set>
+                                      <p:cBhvr>
+                                        <p:cTn id="40" dur="1" fill="hold">
+                                          <p:stCondLst>
+                                            <p:cond delay="999"/>
+                                          </p:stCondLst>
+                                        </p:cTn>
+                                        <p:tgtEl>
+                                          <p:spTgt spid="9"/>
+                                        </p:tgtEl>
+                                        <p:attrNameLst>
+                                          <p:attrName>style.visibility</p:attrName>
+                                        </p:attrNameLst>
+                                      </p:cBhvr>
+                                      <p:to>
+                                        <p:strVal val="hidden"/>
+                                      </p:to>
+                                    </p:set>
+                                  </p:childTnLst>
+                                </p:cTn>
+                              </p:par>
+                            </p:childTnLst>
+                          </p:cTn>
+                        </p:par>
+                        <p:par>
+                          <p:cTn id="41" fill="hold">
+                            <p:stCondLst>
+                              <p:cond delay="7010"/>
+                            </p:stCondLst>
+                            <p:childTnLst>
+                              <p:par>
+                                <p:cTn id="42" presetID="42" presetClass="path" presetSubtype="0" fill="hold" grpId="0" nodeType="afterEffect">
+                                  <p:stCondLst>
+                                    <p:cond delay="0"/>
+                                  </p:stCondLst>
+                                  <p:childTnLst>
+                                    <p:animMotion origin="layout" path="M -2.08333E-7 2.59259E-6 L 0.02904 -0.00023 " pathEditMode="relative" rAng="0" ptsTypes="AA">
+                                      <p:cBhvr>
+                                        <p:cTn id="43" dur="250" fill="hold"/>
+                                        <p:tgtEl>
+                                          <p:spTgt spid="7"/>
+                                        </p:tgtEl>
+                                        <p:attrNameLst>
+                                          <p:attrName>ppt_x</p:attrName>
+                                          <p:attrName>ppt_y</p:attrName>
+                                        </p:attrNameLst>
+                                      </p:cBhvr>
+                                      <p:rCtr x="1445" y="-23"/>
+                                    </p:animMotion>
+                                  </p:childTnLst>
+                                </p:cTn>
+                              </p:par>
+                              <p:par>
+                                <p:cTn id="44" presetID="1" presetClass="entr" presetSubtype="0" fill="hold" nodeType="withEffect">
+                                  <p:stCondLst>
+                                    <p:cond delay="0"/>
+                                  </p:stCondLst>
+                                  <p:childTnLst>
+                                    <p:set>
+                                      <p:cBhvr>
+                                        <p:cTn id="45" dur="1" fill="hold">
+                                          <p:stCondLst>
+                                            <p:cond delay="9"/>
+                                          </p:stCondLst>
+                                        </p:cTn>
+                                        <p:tgtEl>
+                                          <p:spTgt spid="17"/>
+                                        </p:tgtEl>
+                                        <p:attrNameLst>
+                                          <p:attrName>style.visibility</p:attrName>
+                                        </p:attrNameLst>
+                                      </p:cBhvr>
+                                      <p:to>
+                                        <p:strVal val="visible"/>
+                                      </p:to>
+                                    </p:set>
+                                  </p:childTnLst>
+                                </p:cTn>
+                              </p:par>
+                            </p:childTnLst>
+                          </p:cTn>
+                        </p:par>
+                        <p:par>
+                          <p:cTn id="46" fill="hold">
+                            <p:stCondLst>
+                              <p:cond delay="7260"/>
+                            </p:stCondLst>
+                            <p:childTnLst>
+                              <p:par>
+                                <p:cTn id="47" presetID="1" presetClass="exit" presetSubtype="0" fill="hold" nodeType="afterEffect">
+                                  <p:stCondLst>
+                                    <p:cond delay="0"/>
+                                  </p:stCondLst>
+                                  <p:childTnLst>
+                                    <p:set>
+                                      <p:cBhvr>
+                                        <p:cTn id="48" dur="1" fill="hold">
+                                          <p:stCondLst>
+                                            <p:cond delay="1499"/>
+                                          </p:stCondLst>
+                                        </p:cTn>
+                                        <p:tgtEl>
+                                          <p:spTgt spid="17"/>
+                                        </p:tgtEl>
+                                        <p:attrNameLst>
+                                          <p:attrName>style.visibility</p:attrName>
+                                        </p:attrNameLst>
+                                      </p:cBhvr>
+                                      <p:to>
+                                        <p:strVal val="hidden"/>
+                                      </p:to>
+                                    </p:set>
+                                  </p:childTnLst>
+                                </p:cTn>
+                              </p:par>
+                            </p:childTnLst>
+                          </p:cTn>
+                        </p:par>
+                        <p:par>
+                          <p:cTn id="49" fill="hold">
+                            <p:stCondLst>
+                              <p:cond delay="8760"/>
+                            </p:stCondLst>
+                            <p:childTnLst>
+                              <p:par>
+                                <p:cTn id="50" presetID="42" presetClass="path" presetSubtype="0" fill="hold" grpId="1" nodeType="afterEffect">
+                                  <p:stCondLst>
+                                    <p:cond delay="0"/>
+                                  </p:stCondLst>
+                                  <p:childTnLst>
+                                    <p:animMotion origin="layout" path="M 0.02904 -0.00023 L 0.45872 0.00115 " pathEditMode="relative" rAng="0" ptsTypes="AA">
+                                      <p:cBhvr>
+                                        <p:cTn id="51" dur="2000" fill="hold"/>
+                                        <p:tgtEl>
+                                          <p:spTgt spid="7"/>
+                                        </p:tgtEl>
+                                        <p:attrNameLst>
+                                          <p:attrName>ppt_x</p:attrName>
+                                          <p:attrName>ppt_y</p:attrName>
+                                        </p:attrNameLst>
+                                      </p:cBhvr>
+                                      <p:rCtr x="21484" y="69"/>
+                                    </p:animMotion>
+                                  </p:childTnLst>
+                                </p:cTn>
+                              </p:par>
+                              <p:par>
+                                <p:cTn id="52" presetID="42" presetClass="path" presetSubtype="0" fill="hold" grpId="0" nodeType="withEffect">
+                                  <p:stCondLst>
+                                    <p:cond delay="0"/>
+                                  </p:stCondLst>
+                                  <p:childTnLst>
+                                    <p:animMotion origin="layout" path="M -2.08333E-7 2.59259E-6 L 0.02904 -0.00023 " pathEditMode="relative" rAng="0" ptsTypes="AA">
+                                      <p:cBhvr>
+                                        <p:cTn id="53" dur="250" fill="hold"/>
+                                        <p:tgtEl>
+                                          <p:spTgt spid="15"/>
+                                        </p:tgtEl>
+                                        <p:attrNameLst>
+                                          <p:attrName>ppt_x</p:attrName>
+                                          <p:attrName>ppt_y</p:attrName>
+                                        </p:attrNameLst>
+                                      </p:cBhvr>
+                                      <p:rCtr x="1445" y="-23"/>
+                                    </p:animMotion>
+                                  </p:childTnLst>
+                                </p:cTn>
+                              </p:par>
+                              <p:par>
+                                <p:cTn id="54" presetID="42" presetClass="path" presetSubtype="0" fill="hold" grpId="1" nodeType="withEffect">
+                                  <p:stCondLst>
+                                    <p:cond delay="250"/>
+                                  </p:stCondLst>
+                                  <p:childTnLst>
+                                    <p:animMotion origin="layout" path="M 0.02904 -0.00023 L 0.45872 0.00115 " pathEditMode="relative" rAng="0" ptsTypes="AA">
+                                      <p:cBhvr>
+                                        <p:cTn id="55" dur="2000" fill="hold"/>
+                                        <p:tgtEl>
+                                          <p:spTgt spid="15"/>
+                                        </p:tgtEl>
+                                        <p:attrNameLst>
+                                          <p:attrName>ppt_x</p:attrName>
+                                          <p:attrName>ppt_y</p:attrName>
+                                        </p:attrNameLst>
+                                      </p:cBhvr>
+                                      <p:rCtr x="21484" y="69"/>
+                                    </p:animMotion>
+                                  </p:childTnLst>
+                                </p:cTn>
+                              </p:par>
+                              <p:par>
+                                <p:cTn id="56" presetID="42" presetClass="path" presetSubtype="0" fill="hold" grpId="0" nodeType="withEffect">
+                                  <p:stCondLst>
+                                    <p:cond delay="250"/>
+                                  </p:stCondLst>
+                                  <p:childTnLst>
+                                    <p:animMotion origin="layout" path="M -2.08333E-7 2.59259E-6 L 0.02904 -0.00023 " pathEditMode="relative" rAng="0" ptsTypes="AA">
+                                      <p:cBhvr>
+                                        <p:cTn id="57" dur="250" fill="hold"/>
+                                        <p:tgtEl>
+                                          <p:spTgt spid="16"/>
+                                        </p:tgtEl>
+                                        <p:attrNameLst>
+                                          <p:attrName>ppt_x</p:attrName>
+                                          <p:attrName>ppt_y</p:attrName>
+                                        </p:attrNameLst>
+                                      </p:cBhvr>
+                                      <p:rCtr x="1445" y="-23"/>
+                                    </p:animMotion>
+                                  </p:childTnLst>
+                                </p:cTn>
+                              </p:par>
+                              <p:par>
+                                <p:cTn id="58" presetID="42" presetClass="path" presetSubtype="0" fill="hold" grpId="1" nodeType="withEffect">
+                                  <p:stCondLst>
+                                    <p:cond delay="500"/>
+                                  </p:stCondLst>
+                                  <p:childTnLst>
+                                    <p:animMotion origin="layout" path="M 0.02904 -0.00023 L 0.45872 0.00115 " pathEditMode="relative" rAng="0" ptsTypes="AA">
+                                      <p:cBhvr>
+                                        <p:cTn id="59" dur="2000" fill="hold"/>
+                                        <p:tgtEl>
+                                          <p:spTgt spid="16"/>
+                                        </p:tgtEl>
+                                        <p:attrNameLst>
+                                          <p:attrName>ppt_x</p:attrName>
+                                          <p:attrName>ppt_y</p:attrName>
+                                        </p:attrNameLst>
+                                      </p:cBhvr>
+                                      <p:rCtr x="21484" y="69"/>
+                                    </p:animMotion>
+                                  </p:childTnLst>
+                                </p:cTn>
+                              </p:par>
+                              <p:par>
+                                <p:cTn id="60" presetID="42" presetClass="path" presetSubtype="0" fill="hold" grpId="0" nodeType="withEffect">
+                                  <p:stCondLst>
+                                    <p:cond delay="500"/>
+                                  </p:stCondLst>
+                                  <p:childTnLst>
+                                    <p:animMotion origin="layout" path="M -2.08333E-7 1.11111E-6 L 0.02904 -0.00023 " pathEditMode="relative" rAng="0" ptsTypes="AA">
+                                      <p:cBhvr>
+                                        <p:cTn id="61" dur="250" fill="hold"/>
+                                        <p:tgtEl>
+                                          <p:spTgt spid="30"/>
+                                        </p:tgtEl>
+                                        <p:attrNameLst>
+                                          <p:attrName>ppt_x</p:attrName>
+                                          <p:attrName>ppt_y</p:attrName>
+                                        </p:attrNameLst>
+                                      </p:cBhvr>
+                                      <p:rCtr x="1445" y="-23"/>
+                                    </p:animMotion>
+                                  </p:childTnLst>
+                                </p:cTn>
+                              </p:par>
+                              <p:par>
+                                <p:cTn id="62" presetID="42" presetClass="path" presetSubtype="0" fill="hold" grpId="1" nodeType="withEffect">
+                                  <p:stCondLst>
+                                    <p:cond delay="750"/>
+                                  </p:stCondLst>
+                                  <p:childTnLst>
+                                    <p:animMotion origin="layout" path="M 0.02904 -0.00023 L 0.45872 0.00116 " pathEditMode="relative" rAng="0" ptsTypes="AA">
+                                      <p:cBhvr>
+                                        <p:cTn id="63" dur="2000" fill="hold"/>
+                                        <p:tgtEl>
+                                          <p:spTgt spid="30"/>
+                                        </p:tgtEl>
+                                        <p:attrNameLst>
+                                          <p:attrName>ppt_x</p:attrName>
+                                          <p:attrName>ppt_y</p:attrName>
+                                        </p:attrNameLst>
+                                      </p:cBhvr>
+                                      <p:rCtr x="21484" y="69"/>
+                                    </p:animMotion>
+                                  </p:childTnLst>
+                                </p:cTn>
+                              </p:par>
+                            </p:childTnLst>
+                          </p:cTn>
+                        </p:par>
+                        <p:par>
+                          <p:cTn id="64" fill="hold">
+                            <p:stCondLst>
+                              <p:cond delay="11510"/>
+                            </p:stCondLst>
+                            <p:childTnLst>
+                              <p:par>
+                                <p:cTn id="65" presetID="1" presetClass="entr" presetSubtype="0" fill="hold" grpId="0" nodeType="afterEffect">
+                                  <p:stCondLst>
+                                    <p:cond delay="0"/>
+                                  </p:stCondLst>
+                                  <p:childTnLst>
+                                    <p:set>
+                                      <p:cBhvr>
+                                        <p:cTn id="66" dur="1" fill="hold">
+                                          <p:stCondLst>
+                                            <p:cond delay="0"/>
+                                          </p:stCondLst>
+                                        </p:cTn>
+                                        <p:tgtEl>
+                                          <p:spTgt spid="31"/>
+                                        </p:tgtEl>
+                                        <p:attrNameLst>
+                                          <p:attrName>style.visibility</p:attrName>
+                                        </p:attrNameLst>
+                                      </p:cBhvr>
+                                      <p:to>
+                                        <p:strVal val="visible"/>
+                                      </p:to>
+                                    </p:set>
+                                  </p:childTnLst>
+                                </p:cTn>
+                              </p:par>
+                            </p:childTnLst>
+                          </p:cTn>
+                        </p:par>
+                        <p:par>
+                          <p:cTn id="67" fill="hold">
+                            <p:stCondLst>
+                              <p:cond delay="11510"/>
+                            </p:stCondLst>
+                            <p:childTnLst>
+                              <p:par>
+                                <p:cTn id="68" presetID="1" presetClass="exit" presetSubtype="0" fill="hold" grpId="1" nodeType="afterEffect">
+                                  <p:stCondLst>
+                                    <p:cond delay="0"/>
+                                  </p:stCondLst>
+                                  <p:childTnLst>
+                                    <p:set>
+                                      <p:cBhvr>
+                                        <p:cTn id="69" dur="1" fill="hold">
+                                          <p:stCondLst>
+                                            <p:cond delay="2999"/>
+                                          </p:stCondLst>
+                                        </p:cTn>
+                                        <p:tgtEl>
+                                          <p:spTgt spid="31"/>
+                                        </p:tgtEl>
+                                        <p:attrNameLst>
+                                          <p:attrName>style.visibility</p:attrName>
+                                        </p:attrNameLst>
+                                      </p:cBhvr>
+                                      <p:to>
+                                        <p:strVal val="hidden"/>
+                                      </p:to>
+                                    </p:set>
+                                  </p:childTnLst>
+                                </p:cTn>
+                              </p:par>
+                            </p:childTnLst>
+                          </p:cTn>
+                        </p:par>
+                      </p:childTnLst>
+                    </p:cTn>
+                  </p:par>
+                </p:childTnLst>
+              </p:cTn>
+              <p:prevCondLst>
+                <p:cond evt="onPrev" delay="0">
+                  <p:tgtEl>
+                    <p:sldTgt/>
+                  </p:tgtEl>
+                </p:cond>
+              </p:prevCondLst>
+              <p:nextCondLst>
+                <p:cond evt="onNext" delay="0">
+                  <p:tgtEl>
+                    <p:sldTgt/>
+                  </p:tgtEl>
+                </p:cond>
+              </p:nextCondLst>
+            </p:seq>
+          </p:childTnLst>
+        </p:cTn>
+      </p:par>
+    </p:tnLst>
+    <p:bldLst>
+      <p:bldP spid="7" grpId="0" animBg="1"/>
+      <p:bldP spid="7" grpId="1" animBg="1"/>
+      <p:bldP spid="15" grpId="0" animBg="1"/>
+      <p:bldP spid="15" grpId="1" animBg="1"/>
+      <p:bldP spid="16" grpId="0" animBg="1"/>
+      <p:bldP spid="16" grpId="1" animBg="1"/>
+      <p:bldP spid="2" grpId="0" animBg="1"/>
+      <p:bldP spid="2" grpId="1" animBg="1"/>
+      <p:bldP spid="11" grpId="0" animBg="1"/>
+      <p:bldP spid="11" grpId="1" animBg="1"/>
+      <p:bldP spid="11" grpId="2" animBg="1"/>
+      <p:bldP spid="9" grpId="0"/>
+      <p:bldP spid="9" grpId="1"/>
+      <p:bldP spid="27" grpId="0" animBg="1"/>
+      <p:bldP spid="27" grpId="1" animBg="1"/>
+      <p:bldP spid="27" grpId="2" animBg="1"/>
+      <p:bldP spid="28" grpId="0" animBg="1"/>
+      <p:bldP spid="28" grpId="1" animBg="1"/>
+      <p:bldP spid="28" grpId="2" animBg="1"/>
+      <p:bldP spid="30" grpId="0" animBg="1"/>
+      <p:bldP spid="30" grpId="1" animBg="1"/>
+      <p:bldP spid="31" grpId="0"/>
+      <p:bldP spid="31" grpId="1"/>
+    </p:bldLst>
+  </p:timing>
+</p:sld>
+</file>
+
+<file path=ppt/slides/slide6.xml><?xml version="1.0" encoding="utf-8"?>
+<p:sld xmlns:a="http://schemas.openxmlformats.org/drawingml/2006/main" xmlns:r="http://schemas.openxmlformats.org/officeDocument/2006/relationships" xmlns:p="http://schemas.openxmlformats.org/presentationml/2006/main" show="0">
+  <p:cSld>
+    <p:spTree>
+      <p:nvGrpSpPr>
+        <p:cNvPr id="1" name=""/>
+        <p:cNvGrpSpPr/>
+        <p:nvPr/>
+      </p:nvGrpSpPr>
+      <p:grpSpPr>
+        <a:xfrm>
+          <a:off x="0" y="0"/>
+          <a:ext cx="0" cy="0"/>
+          <a:chOff x="0" y="0"/>
+          <a:chExt cx="0" cy="0"/>
+        </a:xfrm>
+      </p:grpSpPr>
+      <p:sp>
+        <p:nvSpPr>
+          <p:cNvPr id="8" name="椭圆 7">
+            <a:extLst>
+              <a:ext uri="{FF2B5EF4-FFF2-40B4-BE49-F238E27FC236}">
+                <a16:creationId xmlns:a16="http://schemas.microsoft.com/office/drawing/2014/main" id="{426A5D43-81B6-4260-9574-50F71A6067F5}"/>
+              </a:ext>
+            </a:extLst>
+          </p:cNvPr>
+          <p:cNvSpPr/>
+          <p:nvPr/>
+        </p:nvSpPr>
+        <p:spPr>
+          <a:xfrm>
+            <a:off x="9002817" y="1948898"/>
+            <a:ext cx="1595717" cy="1595717"/>
+          </a:xfrm>
+          <a:prstGeom prst="ellipse">
+            <a:avLst/>
+          </a:prstGeom>
+          <a:noFill/>
+        </p:spPr>
+        <p:style>
+          <a:lnRef idx="2">
+            <a:schemeClr val="accent1">
+              <a:shade val="50000"/>
+            </a:schemeClr>
+          </a:lnRef>
+          <a:fillRef idx="1">
+            <a:schemeClr val="accent1"/>
+          </a:fillRef>
+          <a:effectRef idx="0">
+            <a:schemeClr val="accent1"/>
+          </a:effectRef>
+          <a:fontRef idx="minor">
+            <a:schemeClr val="lt1"/>
+          </a:fontRef>
+        </p:style>
+        <p:txBody>
+          <a:bodyPr rtlCol="0" anchor="ctr"/>
+          <a:lstStyle/>
+          <a:p>
+            <a:pPr algn="ctr"/>
+            <a:endParaRPr lang="zh-CN" altLang="en-US"/>
+          </a:p>
+        </p:txBody>
+      </p:sp>
+      <p:sp>
+        <p:nvSpPr>
+          <p:cNvPr id="7" name="椭圆 6">
+            <a:extLst>
+              <a:ext uri="{FF2B5EF4-FFF2-40B4-BE49-F238E27FC236}">
+                <a16:creationId xmlns:a16="http://schemas.microsoft.com/office/drawing/2014/main" id="{E555EF71-64A7-4CDC-8609-4D4CE1B2B00D}"/>
+              </a:ext>
+            </a:extLst>
+          </p:cNvPr>
+          <p:cNvSpPr/>
+          <p:nvPr/>
+        </p:nvSpPr>
+        <p:spPr>
+          <a:xfrm>
+            <a:off x="3406742" y="2574116"/>
+            <a:ext cx="354106" cy="354106"/>
+          </a:xfrm>
+          <a:prstGeom prst="ellipse">
+            <a:avLst/>
+          </a:prstGeom>
+          <a:solidFill>
+            <a:srgbClr val="FFFF00"/>
+          </a:solidFill>
+        </p:spPr>
+        <p:style>
+          <a:lnRef idx="2">
+            <a:schemeClr val="accent1">
+              <a:shade val="50000"/>
+            </a:schemeClr>
+          </a:lnRef>
+          <a:fillRef idx="1">
+            <a:schemeClr val="accent1"/>
+          </a:fillRef>
+          <a:effectRef idx="0">
+            <a:schemeClr val="accent1"/>
+          </a:effectRef>
+          <a:fontRef idx="minor">
+            <a:schemeClr val="lt1"/>
+          </a:fontRef>
+        </p:style>
+        <p:txBody>
+          <a:bodyPr rtlCol="0" anchor="ctr"/>
+          <a:lstStyle/>
+          <a:p>
+            <a:pPr algn="ctr"/>
+            <a:endParaRPr lang="zh-CN" altLang="en-US"/>
+          </a:p>
+        </p:txBody>
+      </p:sp>
+      <p:sp>
+        <p:nvSpPr>
+          <p:cNvPr id="15" name="椭圆 14">
+            <a:extLst>
+              <a:ext uri="{FF2B5EF4-FFF2-40B4-BE49-F238E27FC236}">
+                <a16:creationId xmlns:a16="http://schemas.microsoft.com/office/drawing/2014/main" id="{31D5FFCE-F1A5-4730-81AB-82DF1C2CA1D6}"/>
+              </a:ext>
+            </a:extLst>
+          </p:cNvPr>
+          <p:cNvSpPr/>
+          <p:nvPr/>
+        </p:nvSpPr>
+        <p:spPr>
+          <a:xfrm>
+            <a:off x="3406742" y="2574116"/>
+            <a:ext cx="354106" cy="354106"/>
+          </a:xfrm>
+          <a:prstGeom prst="ellipse">
+            <a:avLst/>
+          </a:prstGeom>
+          <a:solidFill>
+            <a:srgbClr val="FFFF00"/>
+          </a:solidFill>
+        </p:spPr>
+        <p:style>
+          <a:lnRef idx="2">
+            <a:schemeClr val="accent1">
+              <a:shade val="50000"/>
+            </a:schemeClr>
+          </a:lnRef>
+          <a:fillRef idx="1">
+            <a:schemeClr val="accent1"/>
+          </a:fillRef>
+          <a:effectRef idx="0">
+            <a:schemeClr val="accent1"/>
+          </a:effectRef>
+          <a:fontRef idx="minor">
+            <a:schemeClr val="lt1"/>
+          </a:fontRef>
+        </p:style>
+        <p:txBody>
+          <a:bodyPr rtlCol="0" anchor="ctr"/>
+          <a:lstStyle/>
+          <a:p>
+            <a:pPr algn="ctr"/>
+            <a:endParaRPr lang="zh-CN" altLang="en-US"/>
+          </a:p>
+        </p:txBody>
+      </p:sp>
+      <p:sp>
+        <p:nvSpPr>
+          <p:cNvPr id="16" name="椭圆 15">
+            <a:extLst>
+              <a:ext uri="{FF2B5EF4-FFF2-40B4-BE49-F238E27FC236}">
+                <a16:creationId xmlns:a16="http://schemas.microsoft.com/office/drawing/2014/main" id="{41207F50-DA7A-41CF-BF6F-F29BD0862E7D}"/>
+              </a:ext>
+            </a:extLst>
+          </p:cNvPr>
+          <p:cNvSpPr/>
+          <p:nvPr/>
+        </p:nvSpPr>
+        <p:spPr>
+          <a:xfrm>
+            <a:off x="3406742" y="2574116"/>
+            <a:ext cx="354106" cy="354106"/>
+          </a:xfrm>
+          <a:prstGeom prst="ellipse">
+            <a:avLst/>
+          </a:prstGeom>
+          <a:solidFill>
+            <a:srgbClr val="FFFF00"/>
+          </a:solidFill>
+        </p:spPr>
+        <p:style>
+          <a:lnRef idx="2">
+            <a:schemeClr val="accent1">
+              <a:shade val="50000"/>
+            </a:schemeClr>
+          </a:lnRef>
+          <a:fillRef idx="1">
+            <a:schemeClr val="accent1"/>
+          </a:fillRef>
+          <a:effectRef idx="0">
+            <a:schemeClr val="accent1"/>
+          </a:effectRef>
+          <a:fontRef idx="minor">
+            <a:schemeClr val="lt1"/>
+          </a:fontRef>
+        </p:style>
+        <p:txBody>
+          <a:bodyPr rtlCol="0" anchor="ctr"/>
+          <a:lstStyle/>
+          <a:p>
+            <a:pPr algn="ctr"/>
+            <a:endParaRPr lang="zh-CN" altLang="en-US"/>
+          </a:p>
+        </p:txBody>
+      </p:sp>
+      <p:sp>
+        <p:nvSpPr>
+          <p:cNvPr id="5" name="椭圆 4">
+            <a:extLst>
+              <a:ext uri="{FF2B5EF4-FFF2-40B4-BE49-F238E27FC236}">
+                <a16:creationId xmlns:a16="http://schemas.microsoft.com/office/drawing/2014/main" id="{2CB4B296-B9A1-432B-9CAE-7B83CC6CB52D}"/>
+              </a:ext>
+            </a:extLst>
+          </p:cNvPr>
+          <p:cNvSpPr/>
+          <p:nvPr/>
+        </p:nvSpPr>
+        <p:spPr>
+          <a:xfrm>
+            <a:off x="2165131" y="1948898"/>
+            <a:ext cx="1595717" cy="1595717"/>
+          </a:xfrm>
+          <a:prstGeom prst="ellipse">
+            <a:avLst/>
+          </a:prstGeom>
+          <a:noFill/>
+        </p:spPr>
+        <p:style>
+          <a:lnRef idx="2">
+            <a:schemeClr val="accent1">
+              <a:shade val="50000"/>
+            </a:schemeClr>
+          </a:lnRef>
+          <a:fillRef idx="1">
+            <a:schemeClr val="accent1"/>
+          </a:fillRef>
+          <a:effectRef idx="0">
+            <a:schemeClr val="accent1"/>
+          </a:effectRef>
+          <a:fontRef idx="minor">
+            <a:schemeClr val="lt1"/>
+          </a:fontRef>
+        </p:style>
+        <p:txBody>
+          <a:bodyPr rtlCol="0" anchor="ctr"/>
+          <a:lstStyle/>
+          <a:p>
+            <a:pPr algn="ctr"/>
+            <a:endParaRPr lang="zh-CN" altLang="en-US"/>
+          </a:p>
+        </p:txBody>
+      </p:sp>
+      <p:sp>
+        <p:nvSpPr>
+          <p:cNvPr id="2" name="箭头: 右 1">
+            <a:extLst>
+              <a:ext uri="{FF2B5EF4-FFF2-40B4-BE49-F238E27FC236}">
+                <a16:creationId xmlns:a16="http://schemas.microsoft.com/office/drawing/2014/main" id="{EC19CDD4-BEB5-4E0D-846A-05CC8B430E1B}"/>
+              </a:ext>
+            </a:extLst>
+          </p:cNvPr>
+          <p:cNvSpPr/>
+          <p:nvPr/>
+        </p:nvSpPr>
+        <p:spPr>
+          <a:xfrm>
+            <a:off x="3767485" y="2609596"/>
+            <a:ext cx="457199" cy="274320"/>
+          </a:xfrm>
+          <a:prstGeom prst="rightArrow">
+            <a:avLst/>
+          </a:prstGeom>
+          <a:solidFill>
+            <a:srgbClr val="00B050"/>
+          </a:solidFill>
+          <a:ln>
+            <a:noFill/>
+          </a:ln>
+        </p:spPr>
+        <p:style>
+          <a:lnRef idx="2">
+            <a:schemeClr val="accent1">
+              <a:shade val="50000"/>
+            </a:schemeClr>
+          </a:lnRef>
+          <a:fillRef idx="1">
+            <a:schemeClr val="accent1"/>
+          </a:fillRef>
+          <a:effectRef idx="0">
+            <a:schemeClr val="accent1"/>
+          </a:effectRef>
+          <a:fontRef idx="minor">
+            <a:schemeClr val="lt1"/>
+          </a:fontRef>
+        </p:style>
+        <p:txBody>
+          <a:bodyPr rtlCol="0" anchor="ctr"/>
+          <a:lstStyle/>
+          <a:p>
+            <a:pPr algn="ctr"/>
+            <a:endParaRPr lang="zh-CN" altLang="en-US"/>
+          </a:p>
+        </p:txBody>
+      </p:sp>
+      <p:sp>
+        <p:nvSpPr>
+          <p:cNvPr id="11" name="箭头: 右 10">
+            <a:extLst>
+              <a:ext uri="{FF2B5EF4-FFF2-40B4-BE49-F238E27FC236}">
+                <a16:creationId xmlns:a16="http://schemas.microsoft.com/office/drawing/2014/main" id="{AD070766-31C3-49B9-ADA4-CE2CAC85CDC3}"/>
+              </a:ext>
+            </a:extLst>
+          </p:cNvPr>
+          <p:cNvSpPr/>
+          <p:nvPr/>
+        </p:nvSpPr>
+        <p:spPr>
+          <a:xfrm rot="10800000">
+            <a:off x="8544061" y="2609596"/>
+            <a:ext cx="457199" cy="274320"/>
+          </a:xfrm>
+          <a:prstGeom prst="rightArrow">
+            <a:avLst/>
+          </a:prstGeom>
+          <a:solidFill>
+            <a:srgbClr val="00B050"/>
+          </a:solidFill>
+          <a:ln>
+            <a:noFill/>
+          </a:ln>
+        </p:spPr>
+        <p:style>
+          <a:lnRef idx="2">
+            <a:schemeClr val="accent1">
+              <a:shade val="50000"/>
+            </a:schemeClr>
+          </a:lnRef>
+          <a:fillRef idx="1">
+            <a:schemeClr val="accent1"/>
+          </a:fillRef>
+          <a:effectRef idx="0">
+            <a:schemeClr val="accent1"/>
+          </a:effectRef>
+          <a:fontRef idx="minor">
+            <a:schemeClr val="lt1"/>
+          </a:fontRef>
+        </p:style>
+        <p:txBody>
+          <a:bodyPr rtlCol="0" anchor="ctr"/>
+          <a:lstStyle/>
+          <a:p>
+            <a:pPr algn="ctr"/>
+            <a:endParaRPr lang="zh-CN" altLang="en-US"/>
+          </a:p>
+        </p:txBody>
+      </p:sp>
+      <p:sp>
+        <p:nvSpPr>
+          <p:cNvPr id="27" name="箭头: 右 26">
+            <a:extLst>
+              <a:ext uri="{FF2B5EF4-FFF2-40B4-BE49-F238E27FC236}">
+                <a16:creationId xmlns:a16="http://schemas.microsoft.com/office/drawing/2014/main" id="{BAA4208E-7430-44FB-A52A-31481F4DD9D2}"/>
+              </a:ext>
+            </a:extLst>
+          </p:cNvPr>
+          <p:cNvSpPr/>
+          <p:nvPr/>
+        </p:nvSpPr>
+        <p:spPr>
+          <a:xfrm>
+            <a:off x="3760848" y="2609596"/>
+            <a:ext cx="457199" cy="274320"/>
+          </a:xfrm>
+          <a:prstGeom prst="rightArrow">
+            <a:avLst/>
+          </a:prstGeom>
+          <a:solidFill>
+            <a:srgbClr val="00B050"/>
+          </a:solidFill>
+          <a:ln>
+            <a:noFill/>
+          </a:ln>
+        </p:spPr>
+        <p:style>
+          <a:lnRef idx="2">
+            <a:schemeClr val="accent1">
+              <a:shade val="50000"/>
+            </a:schemeClr>
+          </a:lnRef>
+          <a:fillRef idx="1">
+            <a:schemeClr val="accent1"/>
+          </a:fillRef>
+          <a:effectRef idx="0">
+            <a:schemeClr val="accent1"/>
+          </a:effectRef>
+          <a:fontRef idx="minor">
+            <a:schemeClr val="lt1"/>
+          </a:fontRef>
+        </p:style>
+        <p:txBody>
+          <a:bodyPr rtlCol="0" anchor="ctr"/>
+          <a:lstStyle/>
+          <a:p>
+            <a:pPr algn="ctr"/>
+            <a:endParaRPr lang="zh-CN" altLang="en-US"/>
+          </a:p>
+        </p:txBody>
+      </p:sp>
+      <p:sp>
+        <p:nvSpPr>
+          <p:cNvPr id="28" name="箭头: 右 27">
+            <a:extLst>
+              <a:ext uri="{FF2B5EF4-FFF2-40B4-BE49-F238E27FC236}">
+                <a16:creationId xmlns:a16="http://schemas.microsoft.com/office/drawing/2014/main" id="{48AAA438-9208-4C7B-A192-0CBA2D8FBE72}"/>
+              </a:ext>
+            </a:extLst>
+          </p:cNvPr>
+          <p:cNvSpPr/>
+          <p:nvPr/>
+        </p:nvSpPr>
+        <p:spPr>
+          <a:xfrm rot="10800000">
+            <a:off x="8537424" y="2609596"/>
+            <a:ext cx="457199" cy="274320"/>
+          </a:xfrm>
+          <a:prstGeom prst="rightArrow">
+            <a:avLst/>
+          </a:prstGeom>
+          <a:solidFill>
+            <a:srgbClr val="00B050"/>
+          </a:solidFill>
+          <a:ln>
+            <a:noFill/>
+          </a:ln>
+        </p:spPr>
+        <p:style>
+          <a:lnRef idx="2">
+            <a:schemeClr val="accent1">
+              <a:shade val="50000"/>
+            </a:schemeClr>
+          </a:lnRef>
+          <a:fillRef idx="1">
+            <a:schemeClr val="accent1"/>
+          </a:fillRef>
+          <a:effectRef idx="0">
+            <a:schemeClr val="accent1"/>
+          </a:effectRef>
+          <a:fontRef idx="minor">
+            <a:schemeClr val="lt1"/>
+          </a:fontRef>
+        </p:style>
+        <p:txBody>
+          <a:bodyPr rtlCol="0" anchor="ctr"/>
+          <a:lstStyle/>
+          <a:p>
+            <a:pPr algn="ctr"/>
+            <a:endParaRPr lang="zh-CN" altLang="en-US"/>
+          </a:p>
+        </p:txBody>
+      </p:sp>
+      <p:sp>
+        <p:nvSpPr>
+          <p:cNvPr id="30" name="椭圆 29">
+            <a:extLst>
+              <a:ext uri="{FF2B5EF4-FFF2-40B4-BE49-F238E27FC236}">
+                <a16:creationId xmlns:a16="http://schemas.microsoft.com/office/drawing/2014/main" id="{EB7FDAC3-50F9-4328-83D6-D045804E5AA9}"/>
+              </a:ext>
+            </a:extLst>
+          </p:cNvPr>
+          <p:cNvSpPr/>
+          <p:nvPr/>
+        </p:nvSpPr>
+        <p:spPr>
+          <a:xfrm>
+            <a:off x="3406731" y="2576213"/>
+            <a:ext cx="354106" cy="354106"/>
+          </a:xfrm>
+          <a:prstGeom prst="ellipse">
+            <a:avLst/>
+          </a:prstGeom>
+          <a:solidFill>
+            <a:srgbClr val="FFFF00"/>
+          </a:solidFill>
+        </p:spPr>
+        <p:style>
+          <a:lnRef idx="2">
+            <a:schemeClr val="accent1">
+              <a:shade val="50000"/>
+            </a:schemeClr>
+          </a:lnRef>
+          <a:fillRef idx="1">
+            <a:schemeClr val="accent1"/>
+          </a:fillRef>
+          <a:effectRef idx="0">
+            <a:schemeClr val="accent1"/>
+          </a:effectRef>
+          <a:fontRef idx="minor">
+            <a:schemeClr val="lt1"/>
+          </a:fontRef>
+        </p:style>
+        <p:txBody>
+          <a:bodyPr rtlCol="0" anchor="ctr"/>
+          <a:lstStyle/>
+          <a:p>
+            <a:pPr algn="ctr"/>
+            <a:endParaRPr lang="zh-CN" altLang="en-US"/>
+          </a:p>
+        </p:txBody>
+      </p:sp>
+      <p:sp>
+        <p:nvSpPr>
+          <p:cNvPr id="32" name="箭头: 右 31">
+            <a:extLst>
+              <a:ext uri="{FF2B5EF4-FFF2-40B4-BE49-F238E27FC236}">
+                <a16:creationId xmlns:a16="http://schemas.microsoft.com/office/drawing/2014/main" id="{5B5A2DE0-0ADF-4A2C-9D95-1C5FF1E175AE}"/>
+              </a:ext>
+            </a:extLst>
+          </p:cNvPr>
+          <p:cNvSpPr/>
+          <p:nvPr/>
+        </p:nvSpPr>
+        <p:spPr>
+          <a:xfrm rot="10800000">
+            <a:off x="8537424" y="2591498"/>
+            <a:ext cx="457199" cy="274320"/>
+          </a:xfrm>
+          <a:prstGeom prst="rightArrow">
+            <a:avLst/>
+          </a:prstGeom>
+          <a:solidFill>
+            <a:srgbClr val="00B050"/>
+          </a:solidFill>
+          <a:ln>
+            <a:noFill/>
+          </a:ln>
+        </p:spPr>
+        <p:style>
+          <a:lnRef idx="2">
+            <a:schemeClr val="accent1">
+              <a:shade val="50000"/>
+            </a:schemeClr>
+          </a:lnRef>
+          <a:fillRef idx="1">
+            <a:schemeClr val="accent1"/>
+          </a:fillRef>
+          <a:effectRef idx="0">
+            <a:schemeClr val="accent1"/>
+          </a:effectRef>
+          <a:fontRef idx="minor">
+            <a:schemeClr val="lt1"/>
+          </a:fontRef>
+        </p:style>
+        <p:txBody>
+          <a:bodyPr rtlCol="0" anchor="ctr"/>
+          <a:lstStyle/>
+          <a:p>
+            <a:pPr algn="ctr"/>
+            <a:endParaRPr lang="zh-CN" altLang="en-US"/>
+          </a:p>
+        </p:txBody>
+      </p:sp>
+      <p:sp>
+        <p:nvSpPr>
+          <p:cNvPr id="33" name="箭头: 右 32">
+            <a:extLst>
+              <a:ext uri="{FF2B5EF4-FFF2-40B4-BE49-F238E27FC236}">
+                <a16:creationId xmlns:a16="http://schemas.microsoft.com/office/drawing/2014/main" id="{7385F2D4-5B3B-4851-8949-4F3BBC112A4F}"/>
+              </a:ext>
+            </a:extLst>
+          </p:cNvPr>
+          <p:cNvSpPr/>
+          <p:nvPr/>
+        </p:nvSpPr>
+        <p:spPr>
+          <a:xfrm rot="10800000">
+            <a:off x="8529230" y="2600770"/>
+            <a:ext cx="457199" cy="274320"/>
+          </a:xfrm>
+          <a:prstGeom prst="rightArrow">
+            <a:avLst/>
+          </a:prstGeom>
+          <a:solidFill>
+            <a:srgbClr val="00B050"/>
+          </a:solidFill>
+          <a:ln>
+            <a:noFill/>
+          </a:ln>
+        </p:spPr>
+        <p:style>
+          <a:lnRef idx="2">
+            <a:schemeClr val="accent1">
+              <a:shade val="50000"/>
+            </a:schemeClr>
+          </a:lnRef>
+          <a:fillRef idx="1">
+            <a:schemeClr val="accent1"/>
+          </a:fillRef>
+          <a:effectRef idx="0">
+            <a:schemeClr val="accent1"/>
+          </a:effectRef>
+          <a:fontRef idx="minor">
+            <a:schemeClr val="lt1"/>
+          </a:fontRef>
+        </p:style>
+        <p:txBody>
+          <a:bodyPr rtlCol="0" anchor="ctr"/>
+          <a:lstStyle/>
+          <a:p>
+            <a:pPr algn="ctr"/>
+            <a:endParaRPr lang="zh-CN" altLang="en-US"/>
+          </a:p>
+        </p:txBody>
+      </p:sp>
+      <p:sp>
+        <p:nvSpPr>
+          <p:cNvPr id="34" name="箭头: 右 33">
+            <a:extLst>
+              <a:ext uri="{FF2B5EF4-FFF2-40B4-BE49-F238E27FC236}">
+                <a16:creationId xmlns:a16="http://schemas.microsoft.com/office/drawing/2014/main" id="{1ECBB5F5-4277-44EB-BA1F-BBB5D0666A26}"/>
+              </a:ext>
+            </a:extLst>
+          </p:cNvPr>
+          <p:cNvSpPr/>
+          <p:nvPr/>
+        </p:nvSpPr>
+        <p:spPr>
+          <a:xfrm rot="10800000">
+            <a:off x="8538890" y="2609596"/>
+            <a:ext cx="457199" cy="274320"/>
+          </a:xfrm>
+          <a:prstGeom prst="rightArrow">
+            <a:avLst/>
+          </a:prstGeom>
+          <a:solidFill>
+            <a:srgbClr val="00B050"/>
+          </a:solidFill>
+          <a:ln>
+            <a:noFill/>
+          </a:ln>
+        </p:spPr>
+        <p:style>
+          <a:lnRef idx="2">
+            <a:schemeClr val="accent1">
+              <a:shade val="50000"/>
+            </a:schemeClr>
+          </a:lnRef>
+          <a:fillRef idx="1">
+            <a:schemeClr val="accent1"/>
+          </a:fillRef>
+          <a:effectRef idx="0">
+            <a:schemeClr val="accent1"/>
+          </a:effectRef>
+          <a:fontRef idx="minor">
+            <a:schemeClr val="lt1"/>
+          </a:fontRef>
+        </p:style>
+        <p:txBody>
+          <a:bodyPr rtlCol="0" anchor="ctr"/>
+          <a:lstStyle/>
+          <a:p>
+            <a:pPr algn="ctr"/>
+            <a:endParaRPr lang="zh-CN" altLang="en-US"/>
+          </a:p>
+        </p:txBody>
+      </p:sp>
+    </p:spTree>
+    <p:extLst>
+      <p:ext uri="{BB962C8B-B14F-4D97-AF65-F5344CB8AC3E}">
+        <p14:creationId xmlns:p14="http://schemas.microsoft.com/office/powerpoint/2010/main" val="479797994"/>
+      </p:ext>
+    </p:extLst>
+  </p:cSld>
+  <p:clrMapOvr>
+    <a:masterClrMapping/>
+  </p:clrMapOvr>
+  <p:timing>
+    <p:tnLst>
+      <p:par>
+        <p:cTn id="1" dur="indefinite" restart="never" nodeType="tmRoot">
+          <p:childTnLst>
+            <p:seq concurrent="1" nextAc="seek">
+              <p:cTn id="2" dur="indefinite" nodeType="mainSeq">
+                <p:childTnLst>
+                  <p:par>
+                    <p:cTn id="3" fill="hold">
+                      <p:stCondLst>
+                        <p:cond delay="indefinite"/>
+                      </p:stCondLst>
+                      <p:childTnLst>
+                        <p:par>
+                          <p:cTn id="4" fill="hold">
+                            <p:stCondLst>
+                              <p:cond delay="0"/>
+                            </p:stCondLst>
+                            <p:childTnLst>
+                              <p:par>
+                                <p:cTn id="5" presetID="42" presetClass="path" presetSubtype="0" accel="50000" decel="50000" fill="hold" grpId="0" nodeType="clickEffect">
+                                  <p:stCondLst>
+                                    <p:cond delay="0"/>
+                                  </p:stCondLst>
+                                  <p:childTnLst>
+                                    <p:animMotion origin="layout" path="M -4.375E-6 -2.96296E-6 L 0.39232 0.00278 " pathEditMode="relative" rAng="0" ptsTypes="AA">
+                                      <p:cBhvr>
+                                        <p:cTn id="6" dur="1500" fill="hold"/>
+                                        <p:tgtEl>
+                                          <p:spTgt spid="2"/>
+                                        </p:tgtEl>
+                                        <p:attrNameLst>
+                                          <p:attrName>ppt_x</p:attrName>
+                                          <p:attrName>ppt_y</p:attrName>
+                                        </p:attrNameLst>
+                                      </p:cBhvr>
+                                      <p:rCtr x="19609" y="139"/>
+                                    </p:animMotion>
+                                  </p:childTnLst>
+                                </p:cTn>
+                              </p:par>
+                            </p:childTnLst>
+                          </p:cTn>
+                        </p:par>
+                        <p:par>
+                          <p:cTn id="7" fill="hold">
+                            <p:stCondLst>
+                              <p:cond delay="1500"/>
+                            </p:stCondLst>
+                            <p:childTnLst>
+                              <p:par>
+                                <p:cTn id="8" presetID="1" presetClass="exit" presetSubtype="0" fill="hold" grpId="1" nodeType="afterEffect">
+                                  <p:stCondLst>
+                                    <p:cond delay="0"/>
+                                  </p:stCondLst>
+                                  <p:childTnLst>
+                                    <p:set>
+                                      <p:cBhvr>
+                                        <p:cTn id="9" dur="1" fill="hold">
+                                          <p:stCondLst>
+                                            <p:cond delay="0"/>
+                                          </p:stCondLst>
+                                        </p:cTn>
+                                        <p:tgtEl>
+                                          <p:spTgt spid="2"/>
+                                        </p:tgtEl>
+                                        <p:attrNameLst>
+                                          <p:attrName>style.visibility</p:attrName>
+                                        </p:attrNameLst>
+                                      </p:cBhvr>
+                                      <p:to>
+                                        <p:strVal val="hidden"/>
+                                      </p:to>
+                                    </p:set>
+                                  </p:childTnLst>
+                                </p:cTn>
+                              </p:par>
+                              <p:par>
+                                <p:cTn id="10" presetID="1" presetClass="entr" presetSubtype="0" fill="hold" grpId="1" nodeType="withEffect">
+                                  <p:stCondLst>
+                                    <p:cond delay="0"/>
+                                  </p:stCondLst>
+                                  <p:childTnLst>
+                                    <p:set>
+                                      <p:cBhvr>
+                                        <p:cTn id="11" dur="1" fill="hold">
+                                          <p:stCondLst>
+                                            <p:cond delay="0"/>
+                                          </p:stCondLst>
+                                        </p:cTn>
+                                        <p:tgtEl>
+                                          <p:spTgt spid="11"/>
+                                        </p:tgtEl>
+                                        <p:attrNameLst>
+                                          <p:attrName>style.visibility</p:attrName>
+                                        </p:attrNameLst>
+                                      </p:cBhvr>
+                                      <p:to>
+                                        <p:strVal val="visible"/>
+                                      </p:to>
+                                    </p:set>
+                                  </p:childTnLst>
+                                </p:cTn>
+                              </p:par>
+                            </p:childTnLst>
+                          </p:cTn>
+                        </p:par>
+                        <p:par>
+                          <p:cTn id="12" fill="hold">
+                            <p:stCondLst>
+                              <p:cond delay="1500"/>
+                            </p:stCondLst>
+                            <p:childTnLst>
+                              <p:par>
+                                <p:cTn id="13" presetID="42" presetClass="path" presetSubtype="0" accel="50000" decel="50000" fill="hold" grpId="0" nodeType="afterEffect">
+                                  <p:stCondLst>
+                                    <p:cond delay="0"/>
+                                  </p:stCondLst>
+                                  <p:childTnLst>
+                                    <p:animMotion origin="layout" path="M -1.25E-6 -2.96296E-6 L -0.39622 0.00023 " pathEditMode="relative" rAng="0" ptsTypes="AA">
+                                      <p:cBhvr>
+                                        <p:cTn id="14" dur="1500" fill="hold"/>
+                                        <p:tgtEl>
+                                          <p:spTgt spid="11"/>
+                                        </p:tgtEl>
+                                        <p:attrNameLst>
+                                          <p:attrName>ppt_x</p:attrName>
+                                          <p:attrName>ppt_y</p:attrName>
+                                        </p:attrNameLst>
+                                      </p:cBhvr>
+                                      <p:rCtr x="-19818" y="0"/>
+                                    </p:animMotion>
+                                  </p:childTnLst>
+                                </p:cTn>
+                              </p:par>
+                            </p:childTnLst>
+                          </p:cTn>
+                        </p:par>
+                        <p:par>
+                          <p:cTn id="15" fill="hold">
+                            <p:stCondLst>
+                              <p:cond delay="3000"/>
+                            </p:stCondLst>
+                            <p:childTnLst>
+                              <p:par>
+                                <p:cTn id="16" presetID="1" presetClass="exit" presetSubtype="0" fill="hold" grpId="2" nodeType="afterEffect">
+                                  <p:stCondLst>
+                                    <p:cond delay="0"/>
+                                  </p:stCondLst>
+                                  <p:childTnLst>
+                                    <p:set>
+                                      <p:cBhvr>
+                                        <p:cTn id="17" dur="1" fill="hold">
+                                          <p:stCondLst>
+                                            <p:cond delay="0"/>
+                                          </p:stCondLst>
+                                        </p:cTn>
+                                        <p:tgtEl>
+                                          <p:spTgt spid="11"/>
+                                        </p:tgtEl>
+                                        <p:attrNameLst>
+                                          <p:attrName>style.visibility</p:attrName>
+                                        </p:attrNameLst>
+                                      </p:cBhvr>
+                                      <p:to>
+                                        <p:strVal val="hidden"/>
+                                      </p:to>
+                                    </p:set>
+                                  </p:childTnLst>
+                                </p:cTn>
+                              </p:par>
+                            </p:childTnLst>
+                          </p:cTn>
+                        </p:par>
+                        <p:par>
+                          <p:cTn id="18" fill="hold">
+                            <p:stCondLst>
+                              <p:cond delay="3000"/>
+                            </p:stCondLst>
+                            <p:childTnLst>
+                              <p:par>
+                                <p:cTn id="19" presetID="1" presetClass="entr" presetSubtype="0" fill="hold" grpId="2" nodeType="afterEffect">
+                                  <p:stCondLst>
+                                    <p:cond delay="0"/>
+                                  </p:stCondLst>
+                                  <p:childTnLst>
+                                    <p:set>
+                                      <p:cBhvr>
+                                        <p:cTn id="20" dur="1" fill="hold">
+                                          <p:stCondLst>
+                                            <p:cond delay="0"/>
+                                          </p:stCondLst>
+                                        </p:cTn>
+                                        <p:tgtEl>
+                                          <p:spTgt spid="27"/>
+                                        </p:tgtEl>
+                                        <p:attrNameLst>
+                                          <p:attrName>style.visibility</p:attrName>
+                                        </p:attrNameLst>
+                                      </p:cBhvr>
+                                      <p:to>
+                                        <p:strVal val="visible"/>
+                                      </p:to>
+                                    </p:set>
+                                  </p:childTnLst>
+                                </p:cTn>
+                              </p:par>
+                            </p:childTnLst>
+                          </p:cTn>
+                        </p:par>
+                        <p:par>
+                          <p:cTn id="21" fill="hold">
+                            <p:stCondLst>
+                              <p:cond delay="3000"/>
+                            </p:stCondLst>
+                            <p:childTnLst>
+                              <p:par>
+                                <p:cTn id="22" presetID="42" presetClass="path" presetSubtype="0" accel="50000" decel="50000" fill="hold" grpId="0" nodeType="afterEffect">
+                                  <p:stCondLst>
+                                    <p:cond delay="0"/>
+                                  </p:stCondLst>
+                                  <p:childTnLst>
+                                    <p:animMotion origin="layout" path="M -3.54167E-6 -2.96296E-6 L 0.39232 0.00278 " pathEditMode="relative" rAng="0" ptsTypes="AA">
+                                      <p:cBhvr>
+                                        <p:cTn id="23" dur="1500" fill="hold"/>
+                                        <p:tgtEl>
+                                          <p:spTgt spid="27"/>
+                                        </p:tgtEl>
+                                        <p:attrNameLst>
+                                          <p:attrName>ppt_x</p:attrName>
+                                          <p:attrName>ppt_y</p:attrName>
+                                        </p:attrNameLst>
+                                      </p:cBhvr>
+                                      <p:rCtr x="19609" y="139"/>
+                                    </p:animMotion>
+                                  </p:childTnLst>
+                                </p:cTn>
+                              </p:par>
+                            </p:childTnLst>
+                          </p:cTn>
+                        </p:par>
+                        <p:par>
+                          <p:cTn id="24" fill="hold">
+                            <p:stCondLst>
+                              <p:cond delay="4500"/>
+                            </p:stCondLst>
+                            <p:childTnLst>
+                              <p:par>
+                                <p:cTn id="25" presetID="1" presetClass="exit" presetSubtype="0" fill="hold" grpId="1" nodeType="afterEffect">
+                                  <p:stCondLst>
+                                    <p:cond delay="0"/>
+                                  </p:stCondLst>
+                                  <p:childTnLst>
+                                    <p:set>
+                                      <p:cBhvr>
+                                        <p:cTn id="26" dur="1" fill="hold">
+                                          <p:stCondLst>
+                                            <p:cond delay="0"/>
+                                          </p:stCondLst>
+                                        </p:cTn>
+                                        <p:tgtEl>
+                                          <p:spTgt spid="27"/>
+                                        </p:tgtEl>
+                                        <p:attrNameLst>
+                                          <p:attrName>style.visibility</p:attrName>
+                                        </p:attrNameLst>
+                                      </p:cBhvr>
+                                      <p:to>
+                                        <p:strVal val="hidden"/>
+                                      </p:to>
+                                    </p:set>
+                                  </p:childTnLst>
+                                </p:cTn>
+                              </p:par>
+                              <p:par>
+                                <p:cTn id="27" presetID="1" presetClass="entr" presetSubtype="0" fill="hold" grpId="1" nodeType="withEffect">
+                                  <p:stCondLst>
+                                    <p:cond delay="0"/>
+                                  </p:stCondLst>
+                                  <p:childTnLst>
+                                    <p:set>
+                                      <p:cBhvr>
+                                        <p:cTn id="28" dur="1" fill="hold">
+                                          <p:stCondLst>
+                                            <p:cond delay="0"/>
+                                          </p:stCondLst>
+                                        </p:cTn>
+                                        <p:tgtEl>
+                                          <p:spTgt spid="28"/>
+                                        </p:tgtEl>
+                                        <p:attrNameLst>
+                                          <p:attrName>style.visibility</p:attrName>
+                                        </p:attrNameLst>
+                                      </p:cBhvr>
+                                      <p:to>
+                                        <p:strVal val="visible"/>
+                                      </p:to>
+                                    </p:set>
+                                  </p:childTnLst>
+                                </p:cTn>
+                              </p:par>
+                            </p:childTnLst>
+                          </p:cTn>
+                        </p:par>
+                        <p:par>
+                          <p:cTn id="29" fill="hold">
+                            <p:stCondLst>
+                              <p:cond delay="4500"/>
+                            </p:stCondLst>
+                            <p:childTnLst>
+                              <p:par>
+                                <p:cTn id="30" presetID="42" presetClass="path" presetSubtype="0" accel="50000" decel="50000" fill="hold" grpId="0" nodeType="afterEffect">
+                                  <p:stCondLst>
+                                    <p:cond delay="0"/>
+                                  </p:stCondLst>
+                                  <p:childTnLst>
+                                    <p:animMotion origin="layout" path="M -4.16667E-7 -2.96296E-6 L -0.39622 0.00023 " pathEditMode="relative" rAng="0" ptsTypes="AA">
+                                      <p:cBhvr>
+                                        <p:cTn id="31" dur="1500" fill="hold"/>
+                                        <p:tgtEl>
+                                          <p:spTgt spid="28"/>
+                                        </p:tgtEl>
+                                        <p:attrNameLst>
+                                          <p:attrName>ppt_x</p:attrName>
+                                          <p:attrName>ppt_y</p:attrName>
+                                        </p:attrNameLst>
+                                      </p:cBhvr>
+                                      <p:rCtr x="-19818" y="0"/>
+                                    </p:animMotion>
+                                  </p:childTnLst>
+                                </p:cTn>
+                              </p:par>
+                            </p:childTnLst>
+                          </p:cTn>
+                        </p:par>
+                        <p:par>
+                          <p:cTn id="32" fill="hold">
+                            <p:stCondLst>
+                              <p:cond delay="6000"/>
+                            </p:stCondLst>
+                            <p:childTnLst>
+                              <p:par>
+                                <p:cTn id="33" presetID="1" presetClass="exit" presetSubtype="0" fill="hold" grpId="2" nodeType="afterEffect">
+                                  <p:stCondLst>
+                                    <p:cond delay="0"/>
+                                  </p:stCondLst>
+                                  <p:childTnLst>
+                                    <p:set>
+                                      <p:cBhvr>
+                                        <p:cTn id="34" dur="1" fill="hold">
+                                          <p:stCondLst>
+                                            <p:cond delay="0"/>
+                                          </p:stCondLst>
+                                        </p:cTn>
+                                        <p:tgtEl>
+                                          <p:spTgt spid="28"/>
+                                        </p:tgtEl>
+                                        <p:attrNameLst>
+                                          <p:attrName>style.visibility</p:attrName>
+                                        </p:attrNameLst>
+                                      </p:cBhvr>
+                                      <p:to>
+                                        <p:strVal val="hidden"/>
+                                      </p:to>
+                                    </p:set>
+                                  </p:childTnLst>
+                                </p:cTn>
+                              </p:par>
+                            </p:childTnLst>
+                          </p:cTn>
+                        </p:par>
+                        <p:par>
+                          <p:cTn id="35" fill="hold">
+                            <p:stCondLst>
+                              <p:cond delay="6000"/>
+                            </p:stCondLst>
+                            <p:childTnLst>
+                              <p:par>
+                                <p:cTn id="36" presetID="42" presetClass="path" presetSubtype="0" fill="hold" grpId="0" nodeType="afterEffect">
+                                  <p:stCondLst>
+                                    <p:cond delay="0"/>
+                                  </p:stCondLst>
+                                  <p:childTnLst>
+                                    <p:animMotion origin="layout" path="M -2.08333E-7 2.59259E-6 L 0.02904 -0.00023 " pathEditMode="relative" rAng="0" ptsTypes="AA">
+                                      <p:cBhvr>
+                                        <p:cTn id="37" dur="250" fill="hold"/>
+                                        <p:tgtEl>
+                                          <p:spTgt spid="7"/>
+                                        </p:tgtEl>
+                                        <p:attrNameLst>
+                                          <p:attrName>ppt_x</p:attrName>
+                                          <p:attrName>ppt_y</p:attrName>
+                                        </p:attrNameLst>
+                                      </p:cBhvr>
+                                      <p:rCtr x="1445" y="-23"/>
+                                    </p:animMotion>
+                                  </p:childTnLst>
+                                </p:cTn>
+                              </p:par>
+                            </p:childTnLst>
+                          </p:cTn>
+                        </p:par>
+                        <p:par>
+                          <p:cTn id="38" fill="hold">
+                            <p:stCondLst>
+                              <p:cond delay="6250"/>
+                            </p:stCondLst>
+                            <p:childTnLst>
+                              <p:par>
+                                <p:cTn id="39" presetID="42" presetClass="path" presetSubtype="0" fill="hold" grpId="1" nodeType="afterEffect">
+                                  <p:stCondLst>
+                                    <p:cond delay="0"/>
+                                  </p:stCondLst>
+                                  <p:childTnLst>
+                                    <p:animMotion origin="layout" path="M 0.02904 -0.00023 L 0.45872 0.00115 " pathEditMode="relative" rAng="0" ptsTypes="AA">
+                                      <p:cBhvr>
+                                        <p:cTn id="40" dur="2000" fill="hold"/>
+                                        <p:tgtEl>
+                                          <p:spTgt spid="7"/>
+                                        </p:tgtEl>
+                                        <p:attrNameLst>
+                                          <p:attrName>ppt_x</p:attrName>
+                                          <p:attrName>ppt_y</p:attrName>
+                                        </p:attrNameLst>
+                                      </p:cBhvr>
+                                      <p:rCtr x="21484" y="69"/>
+                                    </p:animMotion>
+                                  </p:childTnLst>
+                                </p:cTn>
+                              </p:par>
+                            </p:childTnLst>
+                          </p:cTn>
+                        </p:par>
+                        <p:par>
+                          <p:cTn id="41" fill="hold">
+                            <p:stCondLst>
+                              <p:cond delay="8250"/>
+                            </p:stCondLst>
+                            <p:childTnLst>
+                              <p:par>
+                                <p:cTn id="42" presetID="1" presetClass="entr" presetSubtype="0" fill="hold" grpId="1" nodeType="afterEffect">
+                                  <p:stCondLst>
+                                    <p:cond delay="0"/>
+                                  </p:stCondLst>
+                                  <p:childTnLst>
+                                    <p:set>
+                                      <p:cBhvr>
+                                        <p:cTn id="43" dur="1" fill="hold">
+                                          <p:stCondLst>
+                                            <p:cond delay="0"/>
+                                          </p:stCondLst>
+                                        </p:cTn>
+                                        <p:tgtEl>
+                                          <p:spTgt spid="32"/>
+                                        </p:tgtEl>
+                                        <p:attrNameLst>
+                                          <p:attrName>style.visibility</p:attrName>
+                                        </p:attrNameLst>
+                                      </p:cBhvr>
+                                      <p:to>
+                                        <p:strVal val="visible"/>
+                                      </p:to>
+                                    </p:set>
+                                  </p:childTnLst>
+                                </p:cTn>
+                              </p:par>
+                            </p:childTnLst>
+                          </p:cTn>
+                        </p:par>
+                        <p:par>
+                          <p:cTn id="44" fill="hold">
+                            <p:stCondLst>
+                              <p:cond delay="8250"/>
+                            </p:stCondLst>
+                            <p:childTnLst>
+                              <p:par>
+                                <p:cTn id="45" presetID="42" presetClass="path" presetSubtype="0" accel="50000" decel="50000" fill="hold" grpId="0" nodeType="afterEffect">
+                                  <p:stCondLst>
+                                    <p:cond delay="0"/>
+                                  </p:stCondLst>
+                                  <p:childTnLst>
+                                    <p:animMotion origin="layout" path="M -4.16667E-7 4.81481E-6 L -0.39622 0.00023 " pathEditMode="relative" rAng="0" ptsTypes="AA">
+                                      <p:cBhvr>
+                                        <p:cTn id="46" dur="2000" fill="hold"/>
+                                        <p:tgtEl>
+                                          <p:spTgt spid="32"/>
+                                        </p:tgtEl>
+                                        <p:attrNameLst>
+                                          <p:attrName>ppt_x</p:attrName>
+                                          <p:attrName>ppt_y</p:attrName>
+                                        </p:attrNameLst>
+                                      </p:cBhvr>
+                                      <p:rCtr x="-19818" y="0"/>
+                                    </p:animMotion>
+                                  </p:childTnLst>
+                                </p:cTn>
+                              </p:par>
+                            </p:childTnLst>
+                          </p:cTn>
+                        </p:par>
+                        <p:par>
+                          <p:cTn id="47" fill="hold">
+                            <p:stCondLst>
+                              <p:cond delay="10250"/>
+                            </p:stCondLst>
+                            <p:childTnLst>
+                              <p:par>
+                                <p:cTn id="48" presetID="1" presetClass="exit" presetSubtype="0" fill="hold" grpId="2" nodeType="afterEffect">
+                                  <p:stCondLst>
+                                    <p:cond delay="0"/>
+                                  </p:stCondLst>
+                                  <p:childTnLst>
+                                    <p:set>
+                                      <p:cBhvr>
+                                        <p:cTn id="49" dur="1" fill="hold">
+                                          <p:stCondLst>
+                                            <p:cond delay="0"/>
+                                          </p:stCondLst>
+                                        </p:cTn>
+                                        <p:tgtEl>
+                                          <p:spTgt spid="32"/>
+                                        </p:tgtEl>
+                                        <p:attrNameLst>
+                                          <p:attrName>style.visibility</p:attrName>
+                                        </p:attrNameLst>
+                                      </p:cBhvr>
+                                      <p:to>
+                                        <p:strVal val="hidden"/>
+                                      </p:to>
+                                    </p:set>
+                                  </p:childTnLst>
+                                </p:cTn>
+                              </p:par>
+                              <p:par>
+                                <p:cTn id="50" presetID="42" presetClass="path" presetSubtype="0" fill="hold" grpId="0" nodeType="withEffect">
+                                  <p:stCondLst>
+                                    <p:cond delay="0"/>
+                                  </p:stCondLst>
+                                  <p:childTnLst>
+                                    <p:animMotion origin="layout" path="M -2.08333E-7 2.59259E-6 L 0.02904 -0.00023 " pathEditMode="relative" rAng="0" ptsTypes="AA">
+                                      <p:cBhvr>
+                                        <p:cTn id="51" dur="250" fill="hold"/>
+                                        <p:tgtEl>
+                                          <p:spTgt spid="15"/>
+                                        </p:tgtEl>
+                                        <p:attrNameLst>
+                                          <p:attrName>ppt_x</p:attrName>
+                                          <p:attrName>ppt_y</p:attrName>
+                                        </p:attrNameLst>
+                                      </p:cBhvr>
+                                      <p:rCtr x="1445" y="-23"/>
+                                    </p:animMotion>
+                                  </p:childTnLst>
+                                </p:cTn>
+                              </p:par>
+                              <p:par>
+                                <p:cTn id="52" presetID="42" presetClass="path" presetSubtype="0" fill="hold" grpId="1" nodeType="withEffect">
+                                  <p:stCondLst>
+                                    <p:cond delay="250"/>
+                                  </p:stCondLst>
+                                  <p:childTnLst>
+                                    <p:animMotion origin="layout" path="M 0.02904 -0.00023 L 0.45872 0.00115 " pathEditMode="relative" rAng="0" ptsTypes="AA">
+                                      <p:cBhvr>
+                                        <p:cTn id="53" dur="2000" fill="hold"/>
+                                        <p:tgtEl>
+                                          <p:spTgt spid="15"/>
+                                        </p:tgtEl>
+                                        <p:attrNameLst>
+                                          <p:attrName>ppt_x</p:attrName>
+                                          <p:attrName>ppt_y</p:attrName>
+                                        </p:attrNameLst>
+                                      </p:cBhvr>
+                                      <p:rCtr x="21484" y="69"/>
+                                    </p:animMotion>
+                                  </p:childTnLst>
+                                </p:cTn>
+                              </p:par>
+                            </p:childTnLst>
+                          </p:cTn>
+                        </p:par>
+                        <p:par>
+                          <p:cTn id="54" fill="hold">
+                            <p:stCondLst>
+                              <p:cond delay="12500"/>
+                            </p:stCondLst>
+                            <p:childTnLst>
+                              <p:par>
+                                <p:cTn id="55" presetID="1" presetClass="entr" presetSubtype="0" fill="hold" grpId="1" nodeType="afterEffect">
+                                  <p:stCondLst>
+                                    <p:cond delay="0"/>
+                                  </p:stCondLst>
+                                  <p:childTnLst>
+                                    <p:set>
+                                      <p:cBhvr>
+                                        <p:cTn id="56" dur="1" fill="hold">
+                                          <p:stCondLst>
+                                            <p:cond delay="0"/>
+                                          </p:stCondLst>
+                                        </p:cTn>
+                                        <p:tgtEl>
+                                          <p:spTgt spid="33"/>
+                                        </p:tgtEl>
+                                        <p:attrNameLst>
+                                          <p:attrName>style.visibility</p:attrName>
+                                        </p:attrNameLst>
+                                      </p:cBhvr>
+                                      <p:to>
+                                        <p:strVal val="visible"/>
+                                      </p:to>
+                                    </p:set>
+                                  </p:childTnLst>
+                                </p:cTn>
+                              </p:par>
+                            </p:childTnLst>
+                          </p:cTn>
+                        </p:par>
+                        <p:par>
+                          <p:cTn id="57" fill="hold">
+                            <p:stCondLst>
+                              <p:cond delay="12500"/>
+                            </p:stCondLst>
+                            <p:childTnLst>
+                              <p:par>
+                                <p:cTn id="58" presetID="42" presetClass="path" presetSubtype="0" accel="50000" decel="50000" fill="hold" grpId="0" nodeType="afterEffect">
+                                  <p:stCondLst>
+                                    <p:cond delay="0"/>
+                                  </p:stCondLst>
+                                  <p:childTnLst>
+                                    <p:animMotion origin="layout" path="M 6.25E-7 -4.07407E-6 L -0.39622 0.00024 " pathEditMode="relative" rAng="0" ptsTypes="AA">
+                                      <p:cBhvr>
+                                        <p:cTn id="59" dur="1500" fill="hold"/>
+                                        <p:tgtEl>
+                                          <p:spTgt spid="33"/>
+                                        </p:tgtEl>
+                                        <p:attrNameLst>
+                                          <p:attrName>ppt_x</p:attrName>
+                                          <p:attrName>ppt_y</p:attrName>
+                                        </p:attrNameLst>
+                                      </p:cBhvr>
+                                      <p:rCtr x="-19818" y="0"/>
+                                    </p:animMotion>
+                                  </p:childTnLst>
+                                </p:cTn>
+                              </p:par>
+                            </p:childTnLst>
+                          </p:cTn>
+                        </p:par>
+                        <p:par>
+                          <p:cTn id="60" fill="hold">
+                            <p:stCondLst>
+                              <p:cond delay="14000"/>
+                            </p:stCondLst>
+                            <p:childTnLst>
+                              <p:par>
+                                <p:cTn id="61" presetID="1" presetClass="exit" presetSubtype="0" fill="hold" grpId="2" nodeType="afterEffect">
+                                  <p:stCondLst>
+                                    <p:cond delay="0"/>
+                                  </p:stCondLst>
+                                  <p:childTnLst>
+                                    <p:set>
+                                      <p:cBhvr>
+                                        <p:cTn id="62" dur="1" fill="hold">
+                                          <p:stCondLst>
+                                            <p:cond delay="0"/>
+                                          </p:stCondLst>
+                                        </p:cTn>
+                                        <p:tgtEl>
+                                          <p:spTgt spid="33"/>
+                                        </p:tgtEl>
+                                        <p:attrNameLst>
+                                          <p:attrName>style.visibility</p:attrName>
+                                        </p:attrNameLst>
+                                      </p:cBhvr>
+                                      <p:to>
+                                        <p:strVal val="hidden"/>
+                                      </p:to>
+                                    </p:set>
+                                  </p:childTnLst>
+                                </p:cTn>
+                              </p:par>
+                              <p:par>
+                                <p:cTn id="63" presetID="42" presetClass="path" presetSubtype="0" fill="hold" grpId="0" nodeType="withEffect">
+                                  <p:stCondLst>
+                                    <p:cond delay="250"/>
+                                  </p:stCondLst>
+                                  <p:childTnLst>
+                                    <p:animMotion origin="layout" path="M -2.08333E-7 2.59259E-6 L 0.02904 -0.00023 " pathEditMode="relative" rAng="0" ptsTypes="AA">
+                                      <p:cBhvr>
+                                        <p:cTn id="64" dur="250" fill="hold"/>
+                                        <p:tgtEl>
+                                          <p:spTgt spid="16"/>
+                                        </p:tgtEl>
+                                        <p:attrNameLst>
+                                          <p:attrName>ppt_x</p:attrName>
+                                          <p:attrName>ppt_y</p:attrName>
+                                        </p:attrNameLst>
+                                      </p:cBhvr>
+                                      <p:rCtr x="1445" y="-23"/>
+                                    </p:animMotion>
+                                  </p:childTnLst>
+                                </p:cTn>
+                              </p:par>
+                              <p:par>
+                                <p:cTn id="65" presetID="42" presetClass="path" presetSubtype="0" fill="hold" grpId="1" nodeType="withEffect">
+                                  <p:stCondLst>
+                                    <p:cond delay="500"/>
+                                  </p:stCondLst>
+                                  <p:childTnLst>
+                                    <p:animMotion origin="layout" path="M 0.02904 -0.00023 L 0.45872 0.00115 " pathEditMode="relative" rAng="0" ptsTypes="AA">
+                                      <p:cBhvr>
+                                        <p:cTn id="66" dur="2000" fill="hold"/>
+                                        <p:tgtEl>
+                                          <p:spTgt spid="16"/>
+                                        </p:tgtEl>
+                                        <p:attrNameLst>
+                                          <p:attrName>ppt_x</p:attrName>
+                                          <p:attrName>ppt_y</p:attrName>
+                                        </p:attrNameLst>
+                                      </p:cBhvr>
+                                      <p:rCtr x="21484" y="69"/>
+                                    </p:animMotion>
+                                  </p:childTnLst>
+                                </p:cTn>
+                              </p:par>
+                            </p:childTnLst>
+                          </p:cTn>
+                        </p:par>
+                        <p:par>
+                          <p:cTn id="67" fill="hold">
+                            <p:stCondLst>
+                              <p:cond delay="16500"/>
+                            </p:stCondLst>
+                            <p:childTnLst>
+                              <p:par>
+                                <p:cTn id="68" presetID="1" presetClass="entr" presetSubtype="0" fill="hold" grpId="1" nodeType="afterEffect">
+                                  <p:stCondLst>
+                                    <p:cond delay="0"/>
+                                  </p:stCondLst>
+                                  <p:childTnLst>
+                                    <p:set>
+                                      <p:cBhvr>
+                                        <p:cTn id="69" dur="1" fill="hold">
+                                          <p:stCondLst>
+                                            <p:cond delay="0"/>
+                                          </p:stCondLst>
+                                        </p:cTn>
+                                        <p:tgtEl>
+                                          <p:spTgt spid="34"/>
+                                        </p:tgtEl>
+                                        <p:attrNameLst>
+                                          <p:attrName>style.visibility</p:attrName>
+                                        </p:attrNameLst>
+                                      </p:cBhvr>
+                                      <p:to>
+                                        <p:strVal val="visible"/>
+                                      </p:to>
+                                    </p:set>
+                                  </p:childTnLst>
+                                </p:cTn>
+                              </p:par>
+                            </p:childTnLst>
+                          </p:cTn>
+                        </p:par>
+                        <p:par>
+                          <p:cTn id="70" fill="hold">
+                            <p:stCondLst>
+                              <p:cond delay="16500"/>
+                            </p:stCondLst>
+                            <p:childTnLst>
+                              <p:par>
+                                <p:cTn id="71" presetID="42" presetClass="path" presetSubtype="0" accel="50000" decel="50000" fill="hold" grpId="0" nodeType="afterEffect">
+                                  <p:stCondLst>
+                                    <p:cond delay="0"/>
+                                  </p:stCondLst>
+                                  <p:childTnLst>
+                                    <p:animMotion origin="layout" path="M -6.25E-7 -2.96296E-6 L -0.39622 0.00023 " pathEditMode="relative" rAng="0" ptsTypes="AA">
+                                      <p:cBhvr>
+                                        <p:cTn id="72" dur="1500" fill="hold"/>
+                                        <p:tgtEl>
+                                          <p:spTgt spid="34"/>
+                                        </p:tgtEl>
+                                        <p:attrNameLst>
+                                          <p:attrName>ppt_x</p:attrName>
+                                          <p:attrName>ppt_y</p:attrName>
+                                        </p:attrNameLst>
+                                      </p:cBhvr>
+                                      <p:rCtr x="-19818" y="0"/>
+                                    </p:animMotion>
+                                  </p:childTnLst>
+                                </p:cTn>
+                              </p:par>
+                            </p:childTnLst>
+                          </p:cTn>
+                        </p:par>
+                        <p:par>
+                          <p:cTn id="73" fill="hold">
+                            <p:stCondLst>
+                              <p:cond delay="18000"/>
+                            </p:stCondLst>
+                            <p:childTnLst>
+                              <p:par>
+                                <p:cTn id="74" presetID="1" presetClass="exit" presetSubtype="0" fill="hold" grpId="2" nodeType="afterEffect">
+                                  <p:stCondLst>
+                                    <p:cond delay="0"/>
+                                  </p:stCondLst>
+                                  <p:childTnLst>
+                                    <p:set>
+                                      <p:cBhvr>
+                                        <p:cTn id="75" dur="1" fill="hold">
+                                          <p:stCondLst>
+                                            <p:cond delay="0"/>
+                                          </p:stCondLst>
+                                        </p:cTn>
+                                        <p:tgtEl>
+                                          <p:spTgt spid="34"/>
+                                        </p:tgtEl>
+                                        <p:attrNameLst>
+                                          <p:attrName>style.visibility</p:attrName>
+                                        </p:attrNameLst>
+                                      </p:cBhvr>
+                                      <p:to>
+                                        <p:strVal val="hidden"/>
+                                      </p:to>
+                                    </p:set>
+                                  </p:childTnLst>
+                                </p:cTn>
+                              </p:par>
+                              <p:par>
+                                <p:cTn id="76" presetID="42" presetClass="path" presetSubtype="0" fill="hold" grpId="0" nodeType="withEffect">
+                                  <p:stCondLst>
+                                    <p:cond delay="500"/>
+                                  </p:stCondLst>
+                                  <p:childTnLst>
+                                    <p:animMotion origin="layout" path="M -2.08333E-7 1.11111E-6 L 0.02904 -0.00023 " pathEditMode="relative" rAng="0" ptsTypes="AA">
+                                      <p:cBhvr>
+                                        <p:cTn id="77" dur="250" fill="hold"/>
+                                        <p:tgtEl>
+                                          <p:spTgt spid="30"/>
+                                        </p:tgtEl>
+                                        <p:attrNameLst>
+                                          <p:attrName>ppt_x</p:attrName>
+                                          <p:attrName>ppt_y</p:attrName>
+                                        </p:attrNameLst>
+                                      </p:cBhvr>
+                                      <p:rCtr x="1445" y="-23"/>
+                                    </p:animMotion>
+                                  </p:childTnLst>
+                                </p:cTn>
+                              </p:par>
+                              <p:par>
+                                <p:cTn id="78" presetID="42" presetClass="path" presetSubtype="0" fill="hold" grpId="1" nodeType="withEffect">
+                                  <p:stCondLst>
+                                    <p:cond delay="750"/>
+                                  </p:stCondLst>
+                                  <p:childTnLst>
+                                    <p:animMotion origin="layout" path="M 0.02904 -0.00023 L 0.45872 0.00116 " pathEditMode="relative" rAng="0" ptsTypes="AA">
+                                      <p:cBhvr>
+                                        <p:cTn id="79" dur="2000" fill="hold"/>
+                                        <p:tgtEl>
+                                          <p:spTgt spid="30"/>
+                                        </p:tgtEl>
+                                        <p:attrNameLst>
+                                          <p:attrName>ppt_x</p:attrName>
+                                          <p:attrName>ppt_y</p:attrName>
+                                        </p:attrNameLst>
+                                      </p:cBhvr>
+                                      <p:rCtr x="21484" y="69"/>
+                                    </p:animMotion>
+                                  </p:childTnLst>
+                                </p:cTn>
+                              </p:par>
+                            </p:childTnLst>
+                          </p:cTn>
+                        </p:par>
+                      </p:childTnLst>
+                    </p:cTn>
+                  </p:par>
+                </p:childTnLst>
+              </p:cTn>
+              <p:prevCondLst>
+                <p:cond evt="onPrev" delay="0">
+                  <p:tgtEl>
+                    <p:sldTgt/>
+                  </p:tgtEl>
+                </p:cond>
+              </p:prevCondLst>
+              <p:nextCondLst>
+                <p:cond evt="onNext" delay="0">
+                  <p:tgtEl>
+                    <p:sldTgt/>
+                  </p:tgtEl>
+                </p:cond>
+              </p:nextCondLst>
+            </p:seq>
+          </p:childTnLst>
+        </p:cTn>
+      </p:par>
+    </p:tnLst>
+    <p:bldLst>
+      <p:bldP spid="7" grpId="0" animBg="1"/>
+      <p:bldP spid="7" grpId="1" animBg="1"/>
+      <p:bldP spid="15" grpId="0" animBg="1"/>
+      <p:bldP spid="15" grpId="1" animBg="1"/>
+      <p:bldP spid="16" grpId="0" animBg="1"/>
+      <p:bldP spid="16" grpId="1" animBg="1"/>
+      <p:bldP spid="2" grpId="0" animBg="1"/>
+      <p:bldP spid="2" grpId="1" animBg="1"/>
+      <p:bldP spid="11" grpId="0" animBg="1"/>
+      <p:bldP spid="11" grpId="1" animBg="1"/>
+      <p:bldP spid="11" grpId="2" animBg="1"/>
+      <p:bldP spid="27" grpId="0" animBg="1"/>
+      <p:bldP spid="27" grpId="1" animBg="1"/>
+      <p:bldP spid="27" grpId="2" animBg="1"/>
+      <p:bldP spid="28" grpId="0" animBg="1"/>
+      <p:bldP spid="28" grpId="1" animBg="1"/>
+      <p:bldP spid="28" grpId="2" animBg="1"/>
+      <p:bldP spid="30" grpId="0" animBg="1"/>
+      <p:bldP spid="30" grpId="1" animBg="1"/>
+      <p:bldP spid="32" grpId="0" animBg="1"/>
+      <p:bldP spid="32" grpId="1" animBg="1"/>
+      <p:bldP spid="32" grpId="2" animBg="1"/>
+      <p:bldP spid="33" grpId="0" animBg="1"/>
+      <p:bldP spid="33" grpId="1" animBg="1"/>
+      <p:bldP spid="33" grpId="2" animBg="1"/>
+      <p:bldP spid="34" grpId="0" animBg="1"/>
+      <p:bldP spid="34" grpId="1" animBg="1"/>
+      <p:bldP spid="34" grpId="2" animBg="1"/>
+    </p:bldLst>
+  </p:timing>
+</p:sld>
+</file>
+
 <file path=ppt/theme/theme1.xml><?xml version="1.0" encoding="utf-8"?>
 <a:theme xmlns:a="http://schemas.openxmlformats.org/drawingml/2006/main" name="Office 主题​​">
   <a:themeElements>
